--- a/LessonNAV/Jenior/J_CN_01/J_CN_01.pptx
+++ b/LessonNAV/Jenior/J_CN_01/J_CN_01.pptx
@@ -1,27 +1,28 @@
 
 <file path=ppt/presentation.xml><?xml version="1.0" encoding="utf-8"?>
-<p:presentation xmlns:a="http://schemas.openxmlformats.org/drawingml/2006/main" xmlns:r="http://schemas.openxmlformats.org/officeDocument/2006/relationships" xmlns:p="http://schemas.openxmlformats.org/presentationml/2006/main" saveSubsetFonts="1">
+<p:presentation xmlns:a="http://schemas.openxmlformats.org/drawingml/2006/main" xmlns:r="http://schemas.openxmlformats.org/officeDocument/2006/relationships" xmlns:p="http://schemas.openxmlformats.org/presentationml/2006/main">
   <p:sldMasterIdLst>
-    <p:sldMasterId id="2147483660" r:id="rId1"/>
+    <p:sldMasterId id="2147483648" r:id="rId1"/>
   </p:sldMasterIdLst>
   <p:notesMasterIdLst>
-    <p:notesMasterId r:id="rId16"/>
+    <p:notesMasterId r:id="rId15"/>
   </p:notesMasterIdLst>
   <p:sldIdLst>
-    <p:sldId id="256" r:id="rId2"/>
-    <p:sldId id="258" r:id="rId3"/>
-    <p:sldId id="259" r:id="rId4"/>
-    <p:sldId id="257" r:id="rId5"/>
-    <p:sldId id="260" r:id="rId6"/>
-    <p:sldId id="262" r:id="rId7"/>
-    <p:sldId id="263" r:id="rId8"/>
-    <p:sldId id="264" r:id="rId9"/>
-    <p:sldId id="265" r:id="rId10"/>
-    <p:sldId id="267" r:id="rId11"/>
-    <p:sldId id="266" r:id="rId12"/>
-    <p:sldId id="268" r:id="rId13"/>
-    <p:sldId id="269" r:id="rId14"/>
-    <p:sldId id="270" r:id="rId15"/>
+    <p:sldId id="256" r:id="rId3"/>
+    <p:sldId id="258" r:id="rId4"/>
+    <p:sldId id="272" r:id="rId5"/>
+    <p:sldId id="259" r:id="rId6"/>
+    <p:sldId id="257" r:id="rId7"/>
+    <p:sldId id="260" r:id="rId8"/>
+    <p:sldId id="262" r:id="rId9"/>
+    <p:sldId id="263" r:id="rId10"/>
+    <p:sldId id="264" r:id="rId11"/>
+    <p:sldId id="265" r:id="rId12"/>
+    <p:sldId id="267" r:id="rId13"/>
+    <p:sldId id="266" r:id="rId14"/>
+    <p:sldId id="268" r:id="rId16"/>
+    <p:sldId id="269" r:id="rId17"/>
+    <p:sldId id="270" r:id="rId18"/>
   </p:sldIdLst>
   <p:sldSz cx="9144000" cy="6858000" type="screen4x3"/>
   <p:notesSz cx="6858000" cy="9144000"/>
@@ -127,6 +128,7 @@
           <p14:sldIdLst>
             <p14:sldId id="256"/>
             <p14:sldId id="258"/>
+            <p14:sldId id="272"/>
           </p14:sldIdLst>
         </p14:section>
         <p14:section name="镭射DEMO（10分钟）" id="{FA6EC87D-B8C3-4FD6-AA11-D7060D17F487}">
@@ -146,7 +148,6 @@
         </p14:section>
         <p14:section name="程序是什么" id="{D704E3E2-16CF-4C67-870C-82D89AD1DFCE}">
           <p14:sldIdLst>
-            <p14:sldId id="262"/>
             <p14:sldId id="263"/>
             <p14:sldId id="264"/>
             <p14:sldId id="265"/>
@@ -154,6 +155,7 @@
             <p14:sldId id="266"/>
             <p14:sldId id="268"/>
             <p14:sldId id="269"/>
+            <p14:sldId id="262"/>
           </p14:sldIdLst>
         </p14:section>
         <p14:section name="足球游戏DEMO（10分钟）" id="{B794E9C8-5B49-4164-8D40-A3CB5AC30620}">
@@ -249,7 +251,6 @@
           <a:p>
             <a:fld id="{994C5AF5-ADD7-4237-9C8D-C832CDB8755A}" type="datetimeFigureOut">
               <a:rPr lang="zh-CN" altLang="en-US" smtClean="0"/>
-              <a:t>2018/4/2</a:t>
             </a:fld>
             <a:endParaRPr lang="zh-CN" altLang="en-US"/>
           </a:p>
@@ -316,6 +317,7 @@
               <a:rPr lang="en-US" altLang="zh-CN"/>
               <a:t>Edit Master text styles</a:t>
             </a:r>
+            <a:endParaRPr lang="en-US" altLang="zh-CN"/>
           </a:p>
           <a:p>
             <a:pPr lvl="1"/>
@@ -323,6 +325,7 @@
               <a:rPr lang="en-US" altLang="zh-CN"/>
               <a:t>Second level</a:t>
             </a:r>
+            <a:endParaRPr lang="en-US" altLang="zh-CN"/>
           </a:p>
           <a:p>
             <a:pPr lvl="2"/>
@@ -330,6 +333,7 @@
               <a:rPr lang="en-US" altLang="zh-CN"/>
               <a:t>Third level</a:t>
             </a:r>
+            <a:endParaRPr lang="en-US" altLang="zh-CN"/>
           </a:p>
           <a:p>
             <a:pPr lvl="3"/>
@@ -337,6 +341,7 @@
               <a:rPr lang="en-US" altLang="zh-CN"/>
               <a:t>Fourth level</a:t>
             </a:r>
+            <a:endParaRPr lang="en-US" altLang="zh-CN"/>
           </a:p>
           <a:p>
             <a:pPr lvl="4"/>
@@ -408,18 +413,12 @@
           <a:p>
             <a:fld id="{104CF587-CF81-4590-8D67-256AEA6802DB}" type="slidenum">
               <a:rPr lang="zh-CN" altLang="en-US" smtClean="0"/>
-              <a:t>‹#›</a:t>
             </a:fld>
             <a:endParaRPr lang="zh-CN" altLang="en-US"/>
           </a:p>
         </p:txBody>
       </p:sp>
     </p:spTree>
-    <p:extLst>
-      <p:ext uri="{BB962C8B-B14F-4D97-AF65-F5344CB8AC3E}">
-        <p14:creationId xmlns:p14="http://schemas.microsoft.com/office/powerpoint/2010/main" val="1972902227"/>
-      </p:ext>
-    </p:extLst>
   </p:cSld>
   <p:clrMap bg1="lt1" tx1="dk1" bg2="lt2" tx2="dk2" accent1="accent1" accent2="accent2" accent3="accent3" accent4="accent4" accent5="accent5" accent6="accent6" hlink="hlink" folHlink="folHlink"/>
   <p:notesStyle>
@@ -582,18 +581,12 @@
           <a:p>
             <a:fld id="{104CF587-CF81-4590-8D67-256AEA6802DB}" type="slidenum">
               <a:rPr lang="zh-CN" altLang="en-US" smtClean="0"/>
-              <a:t>11</a:t>
             </a:fld>
             <a:endParaRPr lang="zh-CN" altLang="en-US"/>
           </a:p>
         </p:txBody>
       </p:sp>
     </p:spTree>
-    <p:extLst>
-      <p:ext uri="{BB962C8B-B14F-4D97-AF65-F5344CB8AC3E}">
-        <p14:creationId xmlns:p14="http://schemas.microsoft.com/office/powerpoint/2010/main" val="827010963"/>
-      </p:ext>
-    </p:extLst>
   </p:cSld>
   <p:clrMapOvr>
     <a:masterClrMapping/>
@@ -673,35 +666,35 @@
               <a:buNone/>
               <a:defRPr sz="2400"/>
             </a:lvl1pPr>
-            <a:lvl2pPr marL="457178" indent="0" algn="ctr">
+            <a:lvl2pPr marL="457200" indent="0" algn="ctr">
               <a:buNone/>
               <a:defRPr sz="2000"/>
             </a:lvl2pPr>
-            <a:lvl3pPr marL="914356" indent="0" algn="ctr">
+            <a:lvl3pPr marL="914400" indent="0" algn="ctr">
               <a:buNone/>
               <a:defRPr sz="1800"/>
             </a:lvl3pPr>
-            <a:lvl4pPr marL="1371532" indent="0" algn="ctr">
+            <a:lvl4pPr marL="1371600" indent="0" algn="ctr">
               <a:buNone/>
               <a:defRPr sz="1600"/>
             </a:lvl4pPr>
-            <a:lvl5pPr marL="1828709" indent="0" algn="ctr">
+            <a:lvl5pPr marL="1828800" indent="0" algn="ctr">
               <a:buNone/>
               <a:defRPr sz="1600"/>
             </a:lvl5pPr>
-            <a:lvl6pPr marL="2285886" indent="0" algn="ctr">
+            <a:lvl6pPr marL="2286000" indent="0" algn="ctr">
               <a:buNone/>
               <a:defRPr sz="1600"/>
             </a:lvl6pPr>
-            <a:lvl7pPr marL="2743063" indent="0" algn="ctr">
+            <a:lvl7pPr marL="2743200" indent="0" algn="ctr">
               <a:buNone/>
               <a:defRPr sz="1600"/>
             </a:lvl7pPr>
-            <a:lvl8pPr marL="3200240" indent="0" algn="ctr">
+            <a:lvl8pPr marL="3200400" indent="0" algn="ctr">
               <a:buNone/>
               <a:defRPr sz="1600"/>
             </a:lvl8pPr>
-            <a:lvl9pPr marL="3657418" indent="0" algn="ctr">
+            <a:lvl9pPr marL="3657600" indent="0" algn="ctr">
               <a:buNone/>
               <a:defRPr sz="1600"/>
             </a:lvl9pPr>
@@ -732,7 +725,6 @@
           <a:p>
             <a:fld id="{9442B326-CCCE-442E-B652-9D41CE533404}" type="datetimeFigureOut">
               <a:rPr lang="zh-CN" altLang="en-US" smtClean="0"/>
-              <a:t>2018/4/2</a:t>
             </a:fld>
             <a:endParaRPr lang="zh-CN" altLang="en-US"/>
           </a:p>
@@ -774,18 +766,12 @@
           <a:p>
             <a:fld id="{C8AFA395-6C2C-4870-AB67-27F8F81FADF7}" type="slidenum">
               <a:rPr lang="zh-CN" altLang="en-US" smtClean="0"/>
-              <a:t>‹#›</a:t>
             </a:fld>
             <a:endParaRPr lang="zh-CN" altLang="en-US"/>
           </a:p>
         </p:txBody>
       </p:sp>
     </p:spTree>
-    <p:extLst>
-      <p:ext uri="{BB962C8B-B14F-4D97-AF65-F5344CB8AC3E}">
-        <p14:creationId xmlns:p14="http://schemas.microsoft.com/office/powerpoint/2010/main" val="2857606542"/>
-      </p:ext>
-    </p:extLst>
   </p:cSld>
   <p:clrMapOvr>
     <a:masterClrMapping/>
@@ -853,6 +839,7 @@
               <a:rPr lang="en-US" altLang="zh-CN"/>
               <a:t>Edit Master text styles</a:t>
             </a:r>
+            <a:endParaRPr lang="en-US" altLang="zh-CN"/>
           </a:p>
           <a:p>
             <a:pPr lvl="1"/>
@@ -860,6 +847,7 @@
               <a:rPr lang="en-US" altLang="zh-CN"/>
               <a:t>Second level</a:t>
             </a:r>
+            <a:endParaRPr lang="en-US" altLang="zh-CN"/>
           </a:p>
           <a:p>
             <a:pPr lvl="2"/>
@@ -867,6 +855,7 @@
               <a:rPr lang="en-US" altLang="zh-CN"/>
               <a:t>Third level</a:t>
             </a:r>
+            <a:endParaRPr lang="en-US" altLang="zh-CN"/>
           </a:p>
           <a:p>
             <a:pPr lvl="3"/>
@@ -874,6 +863,7 @@
               <a:rPr lang="en-US" altLang="zh-CN"/>
               <a:t>Fourth level</a:t>
             </a:r>
+            <a:endParaRPr lang="en-US" altLang="zh-CN"/>
           </a:p>
           <a:p>
             <a:pPr lvl="4"/>
@@ -902,7 +892,6 @@
           <a:p>
             <a:fld id="{9442B326-CCCE-442E-B652-9D41CE533404}" type="datetimeFigureOut">
               <a:rPr lang="zh-CN" altLang="en-US" smtClean="0"/>
-              <a:t>2018/4/2</a:t>
             </a:fld>
             <a:endParaRPr lang="zh-CN" altLang="en-US"/>
           </a:p>
@@ -944,18 +933,12 @@
           <a:p>
             <a:fld id="{C8AFA395-6C2C-4870-AB67-27F8F81FADF7}" type="slidenum">
               <a:rPr lang="zh-CN" altLang="en-US" smtClean="0"/>
-              <a:t>‹#›</a:t>
             </a:fld>
             <a:endParaRPr lang="zh-CN" altLang="en-US"/>
           </a:p>
         </p:txBody>
       </p:sp>
     </p:spTree>
-    <p:extLst>
-      <p:ext uri="{BB962C8B-B14F-4D97-AF65-F5344CB8AC3E}">
-        <p14:creationId xmlns:p14="http://schemas.microsoft.com/office/powerpoint/2010/main" val="2355726551"/>
-      </p:ext>
-    </p:extLst>
   </p:cSld>
   <p:clrMapOvr>
     <a:masterClrMapping/>
@@ -1033,6 +1016,7 @@
               <a:rPr lang="en-US" altLang="zh-CN"/>
               <a:t>Edit Master text styles</a:t>
             </a:r>
+            <a:endParaRPr lang="en-US" altLang="zh-CN"/>
           </a:p>
           <a:p>
             <a:pPr lvl="1"/>
@@ -1040,6 +1024,7 @@
               <a:rPr lang="en-US" altLang="zh-CN"/>
               <a:t>Second level</a:t>
             </a:r>
+            <a:endParaRPr lang="en-US" altLang="zh-CN"/>
           </a:p>
           <a:p>
             <a:pPr lvl="2"/>
@@ -1047,6 +1032,7 @@
               <a:rPr lang="en-US" altLang="zh-CN"/>
               <a:t>Third level</a:t>
             </a:r>
+            <a:endParaRPr lang="en-US" altLang="zh-CN"/>
           </a:p>
           <a:p>
             <a:pPr lvl="3"/>
@@ -1054,6 +1040,7 @@
               <a:rPr lang="en-US" altLang="zh-CN"/>
               <a:t>Fourth level</a:t>
             </a:r>
+            <a:endParaRPr lang="en-US" altLang="zh-CN"/>
           </a:p>
           <a:p>
             <a:pPr lvl="4"/>
@@ -1082,7 +1069,6 @@
           <a:p>
             <a:fld id="{9442B326-CCCE-442E-B652-9D41CE533404}" type="datetimeFigureOut">
               <a:rPr lang="zh-CN" altLang="en-US" smtClean="0"/>
-              <a:t>2018/4/2</a:t>
             </a:fld>
             <a:endParaRPr lang="zh-CN" altLang="en-US"/>
           </a:p>
@@ -1124,18 +1110,12 @@
           <a:p>
             <a:fld id="{C8AFA395-6C2C-4870-AB67-27F8F81FADF7}" type="slidenum">
               <a:rPr lang="zh-CN" altLang="en-US" smtClean="0"/>
-              <a:t>‹#›</a:t>
             </a:fld>
             <a:endParaRPr lang="zh-CN" altLang="en-US"/>
           </a:p>
         </p:txBody>
       </p:sp>
     </p:spTree>
-    <p:extLst>
-      <p:ext uri="{BB962C8B-B14F-4D97-AF65-F5344CB8AC3E}">
-        <p14:creationId xmlns:p14="http://schemas.microsoft.com/office/powerpoint/2010/main" val="2986045536"/>
-      </p:ext>
-    </p:extLst>
   </p:cSld>
   <p:clrMapOvr>
     <a:masterClrMapping/>
@@ -1203,6 +1183,7 @@
               <a:rPr lang="en-US" altLang="zh-CN"/>
               <a:t>Edit Master text styles</a:t>
             </a:r>
+            <a:endParaRPr lang="en-US" altLang="zh-CN"/>
           </a:p>
           <a:p>
             <a:pPr lvl="1"/>
@@ -1210,6 +1191,7 @@
               <a:rPr lang="en-US" altLang="zh-CN"/>
               <a:t>Second level</a:t>
             </a:r>
+            <a:endParaRPr lang="en-US" altLang="zh-CN"/>
           </a:p>
           <a:p>
             <a:pPr lvl="2"/>
@@ -1217,6 +1199,7 @@
               <a:rPr lang="en-US" altLang="zh-CN"/>
               <a:t>Third level</a:t>
             </a:r>
+            <a:endParaRPr lang="en-US" altLang="zh-CN"/>
           </a:p>
           <a:p>
             <a:pPr lvl="3"/>
@@ -1224,6 +1207,7 @@
               <a:rPr lang="en-US" altLang="zh-CN"/>
               <a:t>Fourth level</a:t>
             </a:r>
+            <a:endParaRPr lang="en-US" altLang="zh-CN"/>
           </a:p>
           <a:p>
             <a:pPr lvl="4"/>
@@ -1252,7 +1236,6 @@
           <a:p>
             <a:fld id="{9442B326-CCCE-442E-B652-9D41CE533404}" type="datetimeFigureOut">
               <a:rPr lang="zh-CN" altLang="en-US" smtClean="0"/>
-              <a:t>2018/4/2</a:t>
             </a:fld>
             <a:endParaRPr lang="zh-CN" altLang="en-US"/>
           </a:p>
@@ -1294,18 +1277,12 @@
           <a:p>
             <a:fld id="{C8AFA395-6C2C-4870-AB67-27F8F81FADF7}" type="slidenum">
               <a:rPr lang="zh-CN" altLang="en-US" smtClean="0"/>
-              <a:t>‹#›</a:t>
             </a:fld>
             <a:endParaRPr lang="zh-CN" altLang="en-US"/>
           </a:p>
         </p:txBody>
       </p:sp>
     </p:spTree>
-    <p:extLst>
-      <p:ext uri="{BB962C8B-B14F-4D97-AF65-F5344CB8AC3E}">
-        <p14:creationId xmlns:p14="http://schemas.microsoft.com/office/powerpoint/2010/main" val="3470214640"/>
-      </p:ext>
-    </p:extLst>
   </p:cSld>
   <p:clrMapOvr>
     <a:masterClrMapping/>
@@ -1389,7 +1366,7 @@
                 </a:solidFill>
               </a:defRPr>
             </a:lvl1pPr>
-            <a:lvl2pPr marL="457178" indent="0">
+            <a:lvl2pPr marL="457200" indent="0">
               <a:buNone/>
               <a:defRPr sz="2000">
                 <a:solidFill>
@@ -1399,7 +1376,7 @@
                 </a:solidFill>
               </a:defRPr>
             </a:lvl2pPr>
-            <a:lvl3pPr marL="914356" indent="0">
+            <a:lvl3pPr marL="914400" indent="0">
               <a:buNone/>
               <a:defRPr sz="1800">
                 <a:solidFill>
@@ -1409,7 +1386,7 @@
                 </a:solidFill>
               </a:defRPr>
             </a:lvl3pPr>
-            <a:lvl4pPr marL="1371532" indent="0">
+            <a:lvl4pPr marL="1371600" indent="0">
               <a:buNone/>
               <a:defRPr sz="1600">
                 <a:solidFill>
@@ -1419,7 +1396,7 @@
                 </a:solidFill>
               </a:defRPr>
             </a:lvl4pPr>
-            <a:lvl5pPr marL="1828709" indent="0">
+            <a:lvl5pPr marL="1828800" indent="0">
               <a:buNone/>
               <a:defRPr sz="1600">
                 <a:solidFill>
@@ -1429,7 +1406,7 @@
                 </a:solidFill>
               </a:defRPr>
             </a:lvl5pPr>
-            <a:lvl6pPr marL="2285886" indent="0">
+            <a:lvl6pPr marL="2286000" indent="0">
               <a:buNone/>
               <a:defRPr sz="1600">
                 <a:solidFill>
@@ -1439,7 +1416,7 @@
                 </a:solidFill>
               </a:defRPr>
             </a:lvl6pPr>
-            <a:lvl7pPr marL="2743063" indent="0">
+            <a:lvl7pPr marL="2743200" indent="0">
               <a:buNone/>
               <a:defRPr sz="1600">
                 <a:solidFill>
@@ -1449,7 +1426,7 @@
                 </a:solidFill>
               </a:defRPr>
             </a:lvl7pPr>
-            <a:lvl8pPr marL="3200240" indent="0">
+            <a:lvl8pPr marL="3200400" indent="0">
               <a:buNone/>
               <a:defRPr sz="1600">
                 <a:solidFill>
@@ -1459,7 +1436,7 @@
                 </a:solidFill>
               </a:defRPr>
             </a:lvl8pPr>
-            <a:lvl9pPr marL="3657418" indent="0">
+            <a:lvl9pPr marL="3657600" indent="0">
               <a:buNone/>
               <a:defRPr sz="1600">
                 <a:solidFill>
@@ -1476,6 +1453,7 @@
               <a:rPr lang="en-US" altLang="zh-CN"/>
               <a:t>Edit Master text styles</a:t>
             </a:r>
+            <a:endParaRPr lang="en-US" altLang="zh-CN"/>
           </a:p>
         </p:txBody>
       </p:sp>
@@ -1496,7 +1474,6 @@
           <a:p>
             <a:fld id="{9442B326-CCCE-442E-B652-9D41CE533404}" type="datetimeFigureOut">
               <a:rPr lang="zh-CN" altLang="en-US" smtClean="0"/>
-              <a:t>2018/4/2</a:t>
             </a:fld>
             <a:endParaRPr lang="zh-CN" altLang="en-US"/>
           </a:p>
@@ -1538,18 +1515,12 @@
           <a:p>
             <a:fld id="{C8AFA395-6C2C-4870-AB67-27F8F81FADF7}" type="slidenum">
               <a:rPr lang="zh-CN" altLang="en-US" smtClean="0"/>
-              <a:t>‹#›</a:t>
             </a:fld>
             <a:endParaRPr lang="zh-CN" altLang="en-US"/>
           </a:p>
         </p:txBody>
       </p:sp>
     </p:spTree>
-    <p:extLst>
-      <p:ext uri="{BB962C8B-B14F-4D97-AF65-F5344CB8AC3E}">
-        <p14:creationId xmlns:p14="http://schemas.microsoft.com/office/powerpoint/2010/main" val="3464243263"/>
-      </p:ext>
-    </p:extLst>
   </p:cSld>
   <p:clrMapOvr>
     <a:masterClrMapping/>
@@ -1622,6 +1593,7 @@
               <a:rPr lang="en-US" altLang="zh-CN"/>
               <a:t>Edit Master text styles</a:t>
             </a:r>
+            <a:endParaRPr lang="en-US" altLang="zh-CN"/>
           </a:p>
           <a:p>
             <a:pPr lvl="1"/>
@@ -1629,6 +1601,7 @@
               <a:rPr lang="en-US" altLang="zh-CN"/>
               <a:t>Second level</a:t>
             </a:r>
+            <a:endParaRPr lang="en-US" altLang="zh-CN"/>
           </a:p>
           <a:p>
             <a:pPr lvl="2"/>
@@ -1636,6 +1609,7 @@
               <a:rPr lang="en-US" altLang="zh-CN"/>
               <a:t>Third level</a:t>
             </a:r>
+            <a:endParaRPr lang="en-US" altLang="zh-CN"/>
           </a:p>
           <a:p>
             <a:pPr lvl="3"/>
@@ -1643,6 +1617,7 @@
               <a:rPr lang="en-US" altLang="zh-CN"/>
               <a:t>Fourth level</a:t>
             </a:r>
+            <a:endParaRPr lang="en-US" altLang="zh-CN"/>
           </a:p>
           <a:p>
             <a:pPr lvl="4"/>
@@ -1679,6 +1654,7 @@
               <a:rPr lang="en-US" altLang="zh-CN"/>
               <a:t>Edit Master text styles</a:t>
             </a:r>
+            <a:endParaRPr lang="en-US" altLang="zh-CN"/>
           </a:p>
           <a:p>
             <a:pPr lvl="1"/>
@@ -1686,6 +1662,7 @@
               <a:rPr lang="en-US" altLang="zh-CN"/>
               <a:t>Second level</a:t>
             </a:r>
+            <a:endParaRPr lang="en-US" altLang="zh-CN"/>
           </a:p>
           <a:p>
             <a:pPr lvl="2"/>
@@ -1693,6 +1670,7 @@
               <a:rPr lang="en-US" altLang="zh-CN"/>
               <a:t>Third level</a:t>
             </a:r>
+            <a:endParaRPr lang="en-US" altLang="zh-CN"/>
           </a:p>
           <a:p>
             <a:pPr lvl="3"/>
@@ -1700,6 +1678,7 @@
               <a:rPr lang="en-US" altLang="zh-CN"/>
               <a:t>Fourth level</a:t>
             </a:r>
+            <a:endParaRPr lang="en-US" altLang="zh-CN"/>
           </a:p>
           <a:p>
             <a:pPr lvl="4"/>
@@ -1728,7 +1707,6 @@
           <a:p>
             <a:fld id="{9442B326-CCCE-442E-B652-9D41CE533404}" type="datetimeFigureOut">
               <a:rPr lang="zh-CN" altLang="en-US" smtClean="0"/>
-              <a:t>2018/4/2</a:t>
             </a:fld>
             <a:endParaRPr lang="zh-CN" altLang="en-US"/>
           </a:p>
@@ -1770,18 +1748,12 @@
           <a:p>
             <a:fld id="{C8AFA395-6C2C-4870-AB67-27F8F81FADF7}" type="slidenum">
               <a:rPr lang="zh-CN" altLang="en-US" smtClean="0"/>
-              <a:t>‹#›</a:t>
             </a:fld>
             <a:endParaRPr lang="zh-CN" altLang="en-US"/>
           </a:p>
         </p:txBody>
       </p:sp>
     </p:spTree>
-    <p:extLst>
-      <p:ext uri="{BB962C8B-B14F-4D97-AF65-F5344CB8AC3E}">
-        <p14:creationId xmlns:p14="http://schemas.microsoft.com/office/powerpoint/2010/main" val="3622330610"/>
-      </p:ext>
-    </p:extLst>
   </p:cSld>
   <p:clrMapOvr>
     <a:masterClrMapping/>
@@ -1857,35 +1829,35 @@
               <a:buNone/>
               <a:defRPr sz="2400" b="1"/>
             </a:lvl1pPr>
-            <a:lvl2pPr marL="457178" indent="0">
+            <a:lvl2pPr marL="457200" indent="0">
               <a:buNone/>
               <a:defRPr sz="2000" b="1"/>
             </a:lvl2pPr>
-            <a:lvl3pPr marL="914356" indent="0">
+            <a:lvl3pPr marL="914400" indent="0">
               <a:buNone/>
               <a:defRPr sz="1800" b="1"/>
             </a:lvl3pPr>
-            <a:lvl4pPr marL="1371532" indent="0">
+            <a:lvl4pPr marL="1371600" indent="0">
               <a:buNone/>
               <a:defRPr sz="1600" b="1"/>
             </a:lvl4pPr>
-            <a:lvl5pPr marL="1828709" indent="0">
+            <a:lvl5pPr marL="1828800" indent="0">
               <a:buNone/>
               <a:defRPr sz="1600" b="1"/>
             </a:lvl5pPr>
-            <a:lvl6pPr marL="2285886" indent="0">
+            <a:lvl6pPr marL="2286000" indent="0">
               <a:buNone/>
               <a:defRPr sz="1600" b="1"/>
             </a:lvl6pPr>
-            <a:lvl7pPr marL="2743063" indent="0">
+            <a:lvl7pPr marL="2743200" indent="0">
               <a:buNone/>
               <a:defRPr sz="1600" b="1"/>
             </a:lvl7pPr>
-            <a:lvl8pPr marL="3200240" indent="0">
+            <a:lvl8pPr marL="3200400" indent="0">
               <a:buNone/>
               <a:defRPr sz="1600" b="1"/>
             </a:lvl8pPr>
-            <a:lvl9pPr marL="3657418" indent="0">
+            <a:lvl9pPr marL="3657600" indent="0">
               <a:buNone/>
               <a:defRPr sz="1600" b="1"/>
             </a:lvl9pPr>
@@ -1896,6 +1868,7 @@
               <a:rPr lang="en-US" altLang="zh-CN"/>
               <a:t>Edit Master text styles</a:t>
             </a:r>
+            <a:endParaRPr lang="en-US" altLang="zh-CN"/>
           </a:p>
         </p:txBody>
       </p:sp>
@@ -1924,6 +1897,7 @@
               <a:rPr lang="en-US" altLang="zh-CN"/>
               <a:t>Edit Master text styles</a:t>
             </a:r>
+            <a:endParaRPr lang="en-US" altLang="zh-CN"/>
           </a:p>
           <a:p>
             <a:pPr lvl="1"/>
@@ -1931,6 +1905,7 @@
               <a:rPr lang="en-US" altLang="zh-CN"/>
               <a:t>Second level</a:t>
             </a:r>
+            <a:endParaRPr lang="en-US" altLang="zh-CN"/>
           </a:p>
           <a:p>
             <a:pPr lvl="2"/>
@@ -1938,6 +1913,7 @@
               <a:rPr lang="en-US" altLang="zh-CN"/>
               <a:t>Third level</a:t>
             </a:r>
+            <a:endParaRPr lang="en-US" altLang="zh-CN"/>
           </a:p>
           <a:p>
             <a:pPr lvl="3"/>
@@ -1945,6 +1921,7 @@
               <a:rPr lang="en-US" altLang="zh-CN"/>
               <a:t>Fourth level</a:t>
             </a:r>
+            <a:endParaRPr lang="en-US" altLang="zh-CN"/>
           </a:p>
           <a:p>
             <a:pPr lvl="4"/>
@@ -1979,35 +1956,35 @@
               <a:buNone/>
               <a:defRPr sz="2400" b="1"/>
             </a:lvl1pPr>
-            <a:lvl2pPr marL="457178" indent="0">
+            <a:lvl2pPr marL="457200" indent="0">
               <a:buNone/>
               <a:defRPr sz="2000" b="1"/>
             </a:lvl2pPr>
-            <a:lvl3pPr marL="914356" indent="0">
+            <a:lvl3pPr marL="914400" indent="0">
               <a:buNone/>
               <a:defRPr sz="1800" b="1"/>
             </a:lvl3pPr>
-            <a:lvl4pPr marL="1371532" indent="0">
+            <a:lvl4pPr marL="1371600" indent="0">
               <a:buNone/>
               <a:defRPr sz="1600" b="1"/>
             </a:lvl4pPr>
-            <a:lvl5pPr marL="1828709" indent="0">
+            <a:lvl5pPr marL="1828800" indent="0">
               <a:buNone/>
               <a:defRPr sz="1600" b="1"/>
             </a:lvl5pPr>
-            <a:lvl6pPr marL="2285886" indent="0">
+            <a:lvl6pPr marL="2286000" indent="0">
               <a:buNone/>
               <a:defRPr sz="1600" b="1"/>
             </a:lvl6pPr>
-            <a:lvl7pPr marL="2743063" indent="0">
+            <a:lvl7pPr marL="2743200" indent="0">
               <a:buNone/>
               <a:defRPr sz="1600" b="1"/>
             </a:lvl7pPr>
-            <a:lvl8pPr marL="3200240" indent="0">
+            <a:lvl8pPr marL="3200400" indent="0">
               <a:buNone/>
               <a:defRPr sz="1600" b="1"/>
             </a:lvl8pPr>
-            <a:lvl9pPr marL="3657418" indent="0">
+            <a:lvl9pPr marL="3657600" indent="0">
               <a:buNone/>
               <a:defRPr sz="1600" b="1"/>
             </a:lvl9pPr>
@@ -2018,6 +1995,7 @@
               <a:rPr lang="en-US" altLang="zh-CN"/>
               <a:t>Edit Master text styles</a:t>
             </a:r>
+            <a:endParaRPr lang="en-US" altLang="zh-CN"/>
           </a:p>
         </p:txBody>
       </p:sp>
@@ -2046,6 +2024,7 @@
               <a:rPr lang="en-US" altLang="zh-CN"/>
               <a:t>Edit Master text styles</a:t>
             </a:r>
+            <a:endParaRPr lang="en-US" altLang="zh-CN"/>
           </a:p>
           <a:p>
             <a:pPr lvl="1"/>
@@ -2053,6 +2032,7 @@
               <a:rPr lang="en-US" altLang="zh-CN"/>
               <a:t>Second level</a:t>
             </a:r>
+            <a:endParaRPr lang="en-US" altLang="zh-CN"/>
           </a:p>
           <a:p>
             <a:pPr lvl="2"/>
@@ -2060,6 +2040,7 @@
               <a:rPr lang="en-US" altLang="zh-CN"/>
               <a:t>Third level</a:t>
             </a:r>
+            <a:endParaRPr lang="en-US" altLang="zh-CN"/>
           </a:p>
           <a:p>
             <a:pPr lvl="3"/>
@@ -2067,6 +2048,7 @@
               <a:rPr lang="en-US" altLang="zh-CN"/>
               <a:t>Fourth level</a:t>
             </a:r>
+            <a:endParaRPr lang="en-US" altLang="zh-CN"/>
           </a:p>
           <a:p>
             <a:pPr lvl="4"/>
@@ -2095,7 +2077,6 @@
           <a:p>
             <a:fld id="{9442B326-CCCE-442E-B652-9D41CE533404}" type="datetimeFigureOut">
               <a:rPr lang="zh-CN" altLang="en-US" smtClean="0"/>
-              <a:t>2018/4/2</a:t>
             </a:fld>
             <a:endParaRPr lang="zh-CN" altLang="en-US"/>
           </a:p>
@@ -2137,18 +2118,12 @@
           <a:p>
             <a:fld id="{C8AFA395-6C2C-4870-AB67-27F8F81FADF7}" type="slidenum">
               <a:rPr lang="zh-CN" altLang="en-US" smtClean="0"/>
-              <a:t>‹#›</a:t>
             </a:fld>
             <a:endParaRPr lang="zh-CN" altLang="en-US"/>
           </a:p>
         </p:txBody>
       </p:sp>
     </p:spTree>
-    <p:extLst>
-      <p:ext uri="{BB962C8B-B14F-4D97-AF65-F5344CB8AC3E}">
-        <p14:creationId xmlns:p14="http://schemas.microsoft.com/office/powerpoint/2010/main" val="196501190"/>
-      </p:ext>
-    </p:extLst>
   </p:cSld>
   <p:clrMapOvr>
     <a:masterClrMapping/>
@@ -2213,7 +2188,6 @@
           <a:p>
             <a:fld id="{9442B326-CCCE-442E-B652-9D41CE533404}" type="datetimeFigureOut">
               <a:rPr lang="zh-CN" altLang="en-US" smtClean="0"/>
-              <a:t>2018/4/2</a:t>
             </a:fld>
             <a:endParaRPr lang="zh-CN" altLang="en-US"/>
           </a:p>
@@ -2255,18 +2229,12 @@
           <a:p>
             <a:fld id="{C8AFA395-6C2C-4870-AB67-27F8F81FADF7}" type="slidenum">
               <a:rPr lang="zh-CN" altLang="en-US" smtClean="0"/>
-              <a:t>‹#›</a:t>
             </a:fld>
             <a:endParaRPr lang="zh-CN" altLang="en-US"/>
           </a:p>
         </p:txBody>
       </p:sp>
     </p:spTree>
-    <p:extLst>
-      <p:ext uri="{BB962C8B-B14F-4D97-AF65-F5344CB8AC3E}">
-        <p14:creationId xmlns:p14="http://schemas.microsoft.com/office/powerpoint/2010/main" val="1924456466"/>
-      </p:ext>
-    </p:extLst>
   </p:cSld>
   <p:clrMapOvr>
     <a:masterClrMapping/>
@@ -2308,7 +2276,6 @@
           <a:p>
             <a:fld id="{9442B326-CCCE-442E-B652-9D41CE533404}" type="datetimeFigureOut">
               <a:rPr lang="zh-CN" altLang="en-US" smtClean="0"/>
-              <a:t>2018/4/2</a:t>
             </a:fld>
             <a:endParaRPr lang="zh-CN" altLang="en-US"/>
           </a:p>
@@ -2350,18 +2317,12 @@
           <a:p>
             <a:fld id="{C8AFA395-6C2C-4870-AB67-27F8F81FADF7}" type="slidenum">
               <a:rPr lang="zh-CN" altLang="en-US" smtClean="0"/>
-              <a:t>‹#›</a:t>
             </a:fld>
             <a:endParaRPr lang="zh-CN" altLang="en-US"/>
           </a:p>
         </p:txBody>
       </p:sp>
     </p:spTree>
-    <p:extLst>
-      <p:ext uri="{BB962C8B-B14F-4D97-AF65-F5344CB8AC3E}">
-        <p14:creationId xmlns:p14="http://schemas.microsoft.com/office/powerpoint/2010/main" val="1665113307"/>
-      </p:ext>
-    </p:extLst>
   </p:cSld>
   <p:clrMapOvr>
     <a:masterClrMapping/>
@@ -2471,6 +2432,7 @@
               <a:rPr lang="en-US" altLang="zh-CN"/>
               <a:t>Edit Master text styles</a:t>
             </a:r>
+            <a:endParaRPr lang="en-US" altLang="zh-CN"/>
           </a:p>
           <a:p>
             <a:pPr lvl="1"/>
@@ -2478,6 +2440,7 @@
               <a:rPr lang="en-US" altLang="zh-CN"/>
               <a:t>Second level</a:t>
             </a:r>
+            <a:endParaRPr lang="en-US" altLang="zh-CN"/>
           </a:p>
           <a:p>
             <a:pPr lvl="2"/>
@@ -2485,6 +2448,7 @@
               <a:rPr lang="en-US" altLang="zh-CN"/>
               <a:t>Third level</a:t>
             </a:r>
+            <a:endParaRPr lang="en-US" altLang="zh-CN"/>
           </a:p>
           <a:p>
             <a:pPr lvl="3"/>
@@ -2492,6 +2456,7 @@
               <a:rPr lang="en-US" altLang="zh-CN"/>
               <a:t>Fourth level</a:t>
             </a:r>
+            <a:endParaRPr lang="en-US" altLang="zh-CN"/>
           </a:p>
           <a:p>
             <a:pPr lvl="4"/>
@@ -2526,35 +2491,35 @@
               <a:buNone/>
               <a:defRPr sz="1600"/>
             </a:lvl1pPr>
-            <a:lvl2pPr marL="457178" indent="0">
+            <a:lvl2pPr marL="457200" indent="0">
               <a:buNone/>
               <a:defRPr sz="1400"/>
             </a:lvl2pPr>
-            <a:lvl3pPr marL="914356" indent="0">
+            <a:lvl3pPr marL="914400" indent="0">
               <a:buNone/>
               <a:defRPr sz="1200"/>
             </a:lvl3pPr>
-            <a:lvl4pPr marL="1371532" indent="0">
+            <a:lvl4pPr marL="1371600" indent="0">
               <a:buNone/>
               <a:defRPr sz="1000"/>
             </a:lvl4pPr>
-            <a:lvl5pPr marL="1828709" indent="0">
+            <a:lvl5pPr marL="1828800" indent="0">
               <a:buNone/>
               <a:defRPr sz="1000"/>
             </a:lvl5pPr>
-            <a:lvl6pPr marL="2285886" indent="0">
+            <a:lvl6pPr marL="2286000" indent="0">
               <a:buNone/>
               <a:defRPr sz="1000"/>
             </a:lvl6pPr>
-            <a:lvl7pPr marL="2743063" indent="0">
+            <a:lvl7pPr marL="2743200" indent="0">
               <a:buNone/>
               <a:defRPr sz="1000"/>
             </a:lvl7pPr>
-            <a:lvl8pPr marL="3200240" indent="0">
+            <a:lvl8pPr marL="3200400" indent="0">
               <a:buNone/>
               <a:defRPr sz="1000"/>
             </a:lvl8pPr>
-            <a:lvl9pPr marL="3657418" indent="0">
+            <a:lvl9pPr marL="3657600" indent="0">
               <a:buNone/>
               <a:defRPr sz="1000"/>
             </a:lvl9pPr>
@@ -2565,6 +2530,7 @@
               <a:rPr lang="en-US" altLang="zh-CN"/>
               <a:t>Edit Master text styles</a:t>
             </a:r>
+            <a:endParaRPr lang="en-US" altLang="zh-CN"/>
           </a:p>
         </p:txBody>
       </p:sp>
@@ -2585,7 +2551,6 @@
           <a:p>
             <a:fld id="{9442B326-CCCE-442E-B652-9D41CE533404}" type="datetimeFigureOut">
               <a:rPr lang="zh-CN" altLang="en-US" smtClean="0"/>
-              <a:t>2018/4/2</a:t>
             </a:fld>
             <a:endParaRPr lang="zh-CN" altLang="en-US"/>
           </a:p>
@@ -2627,18 +2592,12 @@
           <a:p>
             <a:fld id="{C8AFA395-6C2C-4870-AB67-27F8F81FADF7}" type="slidenum">
               <a:rPr lang="zh-CN" altLang="en-US" smtClean="0"/>
-              <a:t>‹#›</a:t>
             </a:fld>
             <a:endParaRPr lang="zh-CN" altLang="en-US"/>
           </a:p>
         </p:txBody>
       </p:sp>
     </p:spTree>
-    <p:extLst>
-      <p:ext uri="{BB962C8B-B14F-4D97-AF65-F5344CB8AC3E}">
-        <p14:creationId xmlns:p14="http://schemas.microsoft.com/office/powerpoint/2010/main" val="531672247"/>
-      </p:ext>
-    </p:extLst>
   </p:cSld>
   <p:clrMapOvr>
     <a:masterClrMapping/>
@@ -2718,35 +2677,35 @@
               <a:buNone/>
               <a:defRPr sz="3200"/>
             </a:lvl1pPr>
-            <a:lvl2pPr marL="457178" indent="0">
+            <a:lvl2pPr marL="457200" indent="0">
               <a:buNone/>
               <a:defRPr sz="2800"/>
             </a:lvl2pPr>
-            <a:lvl3pPr marL="914356" indent="0">
+            <a:lvl3pPr marL="914400" indent="0">
               <a:buNone/>
               <a:defRPr sz="2400"/>
             </a:lvl3pPr>
-            <a:lvl4pPr marL="1371532" indent="0">
+            <a:lvl4pPr marL="1371600" indent="0">
               <a:buNone/>
               <a:defRPr sz="2000"/>
             </a:lvl4pPr>
-            <a:lvl5pPr marL="1828709" indent="0">
+            <a:lvl5pPr marL="1828800" indent="0">
               <a:buNone/>
               <a:defRPr sz="2000"/>
             </a:lvl5pPr>
-            <a:lvl6pPr marL="2285886" indent="0">
+            <a:lvl6pPr marL="2286000" indent="0">
               <a:buNone/>
               <a:defRPr sz="2000"/>
             </a:lvl6pPr>
-            <a:lvl7pPr marL="2743063" indent="0">
+            <a:lvl7pPr marL="2743200" indent="0">
               <a:buNone/>
               <a:defRPr sz="2000"/>
             </a:lvl7pPr>
-            <a:lvl8pPr marL="3200240" indent="0">
+            <a:lvl8pPr marL="3200400" indent="0">
               <a:buNone/>
               <a:defRPr sz="2000"/>
             </a:lvl8pPr>
-            <a:lvl9pPr marL="3657418" indent="0">
+            <a:lvl9pPr marL="3657600" indent="0">
               <a:buNone/>
               <a:defRPr sz="2000"/>
             </a:lvl9pPr>
@@ -2783,35 +2742,35 @@
               <a:buNone/>
               <a:defRPr sz="1600"/>
             </a:lvl1pPr>
-            <a:lvl2pPr marL="457178" indent="0">
+            <a:lvl2pPr marL="457200" indent="0">
               <a:buNone/>
               <a:defRPr sz="1400"/>
             </a:lvl2pPr>
-            <a:lvl3pPr marL="914356" indent="0">
+            <a:lvl3pPr marL="914400" indent="0">
               <a:buNone/>
               <a:defRPr sz="1200"/>
             </a:lvl3pPr>
-            <a:lvl4pPr marL="1371532" indent="0">
+            <a:lvl4pPr marL="1371600" indent="0">
               <a:buNone/>
               <a:defRPr sz="1000"/>
             </a:lvl4pPr>
-            <a:lvl5pPr marL="1828709" indent="0">
+            <a:lvl5pPr marL="1828800" indent="0">
               <a:buNone/>
               <a:defRPr sz="1000"/>
             </a:lvl5pPr>
-            <a:lvl6pPr marL="2285886" indent="0">
+            <a:lvl6pPr marL="2286000" indent="0">
               <a:buNone/>
               <a:defRPr sz="1000"/>
             </a:lvl6pPr>
-            <a:lvl7pPr marL="2743063" indent="0">
+            <a:lvl7pPr marL="2743200" indent="0">
               <a:buNone/>
               <a:defRPr sz="1000"/>
             </a:lvl7pPr>
-            <a:lvl8pPr marL="3200240" indent="0">
+            <a:lvl8pPr marL="3200400" indent="0">
               <a:buNone/>
               <a:defRPr sz="1000"/>
             </a:lvl8pPr>
-            <a:lvl9pPr marL="3657418" indent="0">
+            <a:lvl9pPr marL="3657600" indent="0">
               <a:buNone/>
               <a:defRPr sz="1000"/>
             </a:lvl9pPr>
@@ -2822,6 +2781,7 @@
               <a:rPr lang="en-US" altLang="zh-CN"/>
               <a:t>Edit Master text styles</a:t>
             </a:r>
+            <a:endParaRPr lang="en-US" altLang="zh-CN"/>
           </a:p>
         </p:txBody>
       </p:sp>
@@ -2842,7 +2802,6 @@
           <a:p>
             <a:fld id="{9442B326-CCCE-442E-B652-9D41CE533404}" type="datetimeFigureOut">
               <a:rPr lang="zh-CN" altLang="en-US" smtClean="0"/>
-              <a:t>2018/4/2</a:t>
             </a:fld>
             <a:endParaRPr lang="zh-CN" altLang="en-US"/>
           </a:p>
@@ -2884,18 +2843,12 @@
           <a:p>
             <a:fld id="{C8AFA395-6C2C-4870-AB67-27F8F81FADF7}" type="slidenum">
               <a:rPr lang="zh-CN" altLang="en-US" smtClean="0"/>
-              <a:t>‹#›</a:t>
             </a:fld>
             <a:endParaRPr lang="zh-CN" altLang="en-US"/>
           </a:p>
         </p:txBody>
       </p:sp>
     </p:spTree>
-    <p:extLst>
-      <p:ext uri="{BB962C8B-B14F-4D97-AF65-F5344CB8AC3E}">
-        <p14:creationId xmlns:p14="http://schemas.microsoft.com/office/powerpoint/2010/main" val="4166841968"/>
-      </p:ext>
-    </p:extLst>
   </p:cSld>
   <p:clrMapOvr>
     <a:masterClrMapping/>
@@ -2988,6 +2941,7 @@
               <a:rPr lang="en-US" altLang="zh-CN"/>
               <a:t>Edit Master text styles</a:t>
             </a:r>
+            <a:endParaRPr lang="en-US" altLang="zh-CN"/>
           </a:p>
           <a:p>
             <a:pPr lvl="1"/>
@@ -2995,6 +2949,7 @@
               <a:rPr lang="en-US" altLang="zh-CN"/>
               <a:t>Second level</a:t>
             </a:r>
+            <a:endParaRPr lang="en-US" altLang="zh-CN"/>
           </a:p>
           <a:p>
             <a:pPr lvl="2"/>
@@ -3002,6 +2957,7 @@
               <a:rPr lang="en-US" altLang="zh-CN"/>
               <a:t>Third level</a:t>
             </a:r>
+            <a:endParaRPr lang="en-US" altLang="zh-CN"/>
           </a:p>
           <a:p>
             <a:pPr lvl="3"/>
@@ -3009,6 +2965,7 @@
               <a:rPr lang="en-US" altLang="zh-CN"/>
               <a:t>Fourth level</a:t>
             </a:r>
+            <a:endParaRPr lang="en-US" altLang="zh-CN"/>
           </a:p>
           <a:p>
             <a:pPr lvl="4"/>
@@ -3055,7 +3012,6 @@
           <a:p>
             <a:fld id="{9442B326-CCCE-442E-B652-9D41CE533404}" type="datetimeFigureOut">
               <a:rPr lang="zh-CN" altLang="en-US" smtClean="0"/>
-              <a:t>2018/4/2</a:t>
             </a:fld>
             <a:endParaRPr lang="zh-CN" altLang="en-US"/>
           </a:p>
@@ -3133,36 +3089,30 @@
           <a:p>
             <a:fld id="{C8AFA395-6C2C-4870-AB67-27F8F81FADF7}" type="slidenum">
               <a:rPr lang="zh-CN" altLang="en-US" smtClean="0"/>
-              <a:t>‹#›</a:t>
             </a:fld>
             <a:endParaRPr lang="zh-CN" altLang="en-US"/>
           </a:p>
         </p:txBody>
       </p:sp>
     </p:spTree>
-    <p:extLst>
-      <p:ext uri="{BB962C8B-B14F-4D97-AF65-F5344CB8AC3E}">
-        <p14:creationId xmlns:p14="http://schemas.microsoft.com/office/powerpoint/2010/main" val="2595324599"/>
-      </p:ext>
-    </p:extLst>
   </p:cSld>
   <p:clrMap bg1="lt1" tx1="dk1" bg2="lt2" tx2="dk2" accent1="accent1" accent2="accent2" accent3="accent3" accent4="accent4" accent5="accent5" accent6="accent6" hlink="hlink" folHlink="folHlink"/>
   <p:sldLayoutIdLst>
-    <p:sldLayoutId id="2147483661" r:id="rId1"/>
-    <p:sldLayoutId id="2147483662" r:id="rId2"/>
-    <p:sldLayoutId id="2147483663" r:id="rId3"/>
-    <p:sldLayoutId id="2147483664" r:id="rId4"/>
-    <p:sldLayoutId id="2147483665" r:id="rId5"/>
-    <p:sldLayoutId id="2147483666" r:id="rId6"/>
-    <p:sldLayoutId id="2147483667" r:id="rId7"/>
-    <p:sldLayoutId id="2147483668" r:id="rId8"/>
-    <p:sldLayoutId id="2147483669" r:id="rId9"/>
-    <p:sldLayoutId id="2147483670" r:id="rId10"/>
-    <p:sldLayoutId id="2147483671" r:id="rId11"/>
+    <p:sldLayoutId id="2147483649" r:id="rId1"/>
+    <p:sldLayoutId id="2147483650" r:id="rId2"/>
+    <p:sldLayoutId id="2147483651" r:id="rId3"/>
+    <p:sldLayoutId id="2147483652" r:id="rId4"/>
+    <p:sldLayoutId id="2147483653" r:id="rId5"/>
+    <p:sldLayoutId id="2147483654" r:id="rId6"/>
+    <p:sldLayoutId id="2147483655" r:id="rId7"/>
+    <p:sldLayoutId id="2147483656" r:id="rId8"/>
+    <p:sldLayoutId id="2147483657" r:id="rId9"/>
+    <p:sldLayoutId id="2147483658" r:id="rId10"/>
+    <p:sldLayoutId id="2147483659" r:id="rId11"/>
   </p:sldLayoutIdLst>
   <p:txStyles>
     <p:titleStyle>
-      <a:lvl1pPr algn="l" defTabSz="914356" rtl="0" eaLnBrk="1" latinLnBrk="0" hangingPunct="1">
+      <a:lvl1pPr algn="l" defTabSz="913765" rtl="0" eaLnBrk="1" latinLnBrk="0" hangingPunct="1">
         <a:lnSpc>
           <a:spcPct val="90000"/>
         </a:lnSpc>
@@ -3181,7 +3131,7 @@
       </a:lvl1pPr>
     </p:titleStyle>
     <p:bodyStyle>
-      <a:lvl1pPr marL="228589" indent="-228589" algn="l" defTabSz="914356" rtl="0" eaLnBrk="1" latinLnBrk="0" hangingPunct="1">
+      <a:lvl1pPr marL="228600" indent="-228600" algn="l" defTabSz="913765" rtl="0" eaLnBrk="1" latinLnBrk="0" hangingPunct="1">
         <a:lnSpc>
           <a:spcPct val="90000"/>
         </a:lnSpc>
@@ -3199,7 +3149,7 @@
           <a:cs typeface="+mn-cs"/>
         </a:defRPr>
       </a:lvl1pPr>
-      <a:lvl2pPr marL="685766" indent="-228589" algn="l" defTabSz="914356" rtl="0" eaLnBrk="1" latinLnBrk="0" hangingPunct="1">
+      <a:lvl2pPr marL="685800" indent="-228600" algn="l" defTabSz="913765" rtl="0" eaLnBrk="1" latinLnBrk="0" hangingPunct="1">
         <a:lnSpc>
           <a:spcPct val="90000"/>
         </a:lnSpc>
@@ -3217,7 +3167,7 @@
           <a:cs typeface="+mn-cs"/>
         </a:defRPr>
       </a:lvl2pPr>
-      <a:lvl3pPr marL="1142943" indent="-228589" algn="l" defTabSz="914356" rtl="0" eaLnBrk="1" latinLnBrk="0" hangingPunct="1">
+      <a:lvl3pPr marL="1143000" indent="-228600" algn="l" defTabSz="913765" rtl="0" eaLnBrk="1" latinLnBrk="0" hangingPunct="1">
         <a:lnSpc>
           <a:spcPct val="90000"/>
         </a:lnSpc>
@@ -3235,7 +3185,7 @@
           <a:cs typeface="+mn-cs"/>
         </a:defRPr>
       </a:lvl3pPr>
-      <a:lvl4pPr marL="1600120" indent="-228589" algn="l" defTabSz="914356" rtl="0" eaLnBrk="1" latinLnBrk="0" hangingPunct="1">
+      <a:lvl4pPr marL="1600200" indent="-228600" algn="l" defTabSz="913765" rtl="0" eaLnBrk="1" latinLnBrk="0" hangingPunct="1">
         <a:lnSpc>
           <a:spcPct val="90000"/>
         </a:lnSpc>
@@ -3253,7 +3203,7 @@
           <a:cs typeface="+mn-cs"/>
         </a:defRPr>
       </a:lvl4pPr>
-      <a:lvl5pPr marL="2057297" indent="-228589" algn="l" defTabSz="914356" rtl="0" eaLnBrk="1" latinLnBrk="0" hangingPunct="1">
+      <a:lvl5pPr marL="2057400" indent="-228600" algn="l" defTabSz="913765" rtl="0" eaLnBrk="1" latinLnBrk="0" hangingPunct="1">
         <a:lnSpc>
           <a:spcPct val="90000"/>
         </a:lnSpc>
@@ -3271,7 +3221,7 @@
           <a:cs typeface="+mn-cs"/>
         </a:defRPr>
       </a:lvl5pPr>
-      <a:lvl6pPr marL="2514474" indent="-228589" algn="l" defTabSz="914356" rtl="0" eaLnBrk="1" latinLnBrk="0" hangingPunct="1">
+      <a:lvl6pPr marL="2514600" indent="-228600" algn="l" defTabSz="913765" rtl="0" eaLnBrk="1" latinLnBrk="0" hangingPunct="1">
         <a:lnSpc>
           <a:spcPct val="90000"/>
         </a:lnSpc>
@@ -3289,7 +3239,7 @@
           <a:cs typeface="+mn-cs"/>
         </a:defRPr>
       </a:lvl6pPr>
-      <a:lvl7pPr marL="2971652" indent="-228589" algn="l" defTabSz="914356" rtl="0" eaLnBrk="1" latinLnBrk="0" hangingPunct="1">
+      <a:lvl7pPr marL="2971800" indent="-228600" algn="l" defTabSz="913765" rtl="0" eaLnBrk="1" latinLnBrk="0" hangingPunct="1">
         <a:lnSpc>
           <a:spcPct val="90000"/>
         </a:lnSpc>
@@ -3307,7 +3257,7 @@
           <a:cs typeface="+mn-cs"/>
         </a:defRPr>
       </a:lvl7pPr>
-      <a:lvl8pPr marL="3428829" indent="-228589" algn="l" defTabSz="914356" rtl="0" eaLnBrk="1" latinLnBrk="0" hangingPunct="1">
+      <a:lvl8pPr marL="3429000" indent="-228600" algn="l" defTabSz="913765" rtl="0" eaLnBrk="1" latinLnBrk="0" hangingPunct="1">
         <a:lnSpc>
           <a:spcPct val="90000"/>
         </a:lnSpc>
@@ -3325,7 +3275,7 @@
           <a:cs typeface="+mn-cs"/>
         </a:defRPr>
       </a:lvl8pPr>
-      <a:lvl9pPr marL="3886006" indent="-228589" algn="l" defTabSz="914356" rtl="0" eaLnBrk="1" latinLnBrk="0" hangingPunct="1">
+      <a:lvl9pPr marL="3886200" indent="-228600" algn="l" defTabSz="913765" rtl="0" eaLnBrk="1" latinLnBrk="0" hangingPunct="1">
         <a:lnSpc>
           <a:spcPct val="90000"/>
         </a:lnSpc>
@@ -3348,7 +3298,7 @@
       <a:defPPr>
         <a:defRPr lang="en-US"/>
       </a:defPPr>
-      <a:lvl1pPr marL="0" algn="l" defTabSz="914356" rtl="0" eaLnBrk="1" latinLnBrk="0" hangingPunct="1">
+      <a:lvl1pPr marL="0" algn="l" defTabSz="913765" rtl="0" eaLnBrk="1" latinLnBrk="0" hangingPunct="1">
         <a:defRPr sz="1800" kern="1200">
           <a:solidFill>
             <a:schemeClr val="tx1"/>
@@ -3358,7 +3308,7 @@
           <a:cs typeface="+mn-cs"/>
         </a:defRPr>
       </a:lvl1pPr>
-      <a:lvl2pPr marL="457178" algn="l" defTabSz="914356" rtl="0" eaLnBrk="1" latinLnBrk="0" hangingPunct="1">
+      <a:lvl2pPr marL="457200" algn="l" defTabSz="913765" rtl="0" eaLnBrk="1" latinLnBrk="0" hangingPunct="1">
         <a:defRPr sz="1800" kern="1200">
           <a:solidFill>
             <a:schemeClr val="tx1"/>
@@ -3368,7 +3318,7 @@
           <a:cs typeface="+mn-cs"/>
         </a:defRPr>
       </a:lvl2pPr>
-      <a:lvl3pPr marL="914356" algn="l" defTabSz="914356" rtl="0" eaLnBrk="1" latinLnBrk="0" hangingPunct="1">
+      <a:lvl3pPr marL="914400" algn="l" defTabSz="913765" rtl="0" eaLnBrk="1" latinLnBrk="0" hangingPunct="1">
         <a:defRPr sz="1800" kern="1200">
           <a:solidFill>
             <a:schemeClr val="tx1"/>
@@ -3378,7 +3328,7 @@
           <a:cs typeface="+mn-cs"/>
         </a:defRPr>
       </a:lvl3pPr>
-      <a:lvl4pPr marL="1371532" algn="l" defTabSz="914356" rtl="0" eaLnBrk="1" latinLnBrk="0" hangingPunct="1">
+      <a:lvl4pPr marL="1371600" algn="l" defTabSz="913765" rtl="0" eaLnBrk="1" latinLnBrk="0" hangingPunct="1">
         <a:defRPr sz="1800" kern="1200">
           <a:solidFill>
             <a:schemeClr val="tx1"/>
@@ -3388,7 +3338,7 @@
           <a:cs typeface="+mn-cs"/>
         </a:defRPr>
       </a:lvl4pPr>
-      <a:lvl5pPr marL="1828709" algn="l" defTabSz="914356" rtl="0" eaLnBrk="1" latinLnBrk="0" hangingPunct="1">
+      <a:lvl5pPr marL="1828800" algn="l" defTabSz="913765" rtl="0" eaLnBrk="1" latinLnBrk="0" hangingPunct="1">
         <a:defRPr sz="1800" kern="1200">
           <a:solidFill>
             <a:schemeClr val="tx1"/>
@@ -3398,7 +3348,7 @@
           <a:cs typeface="+mn-cs"/>
         </a:defRPr>
       </a:lvl5pPr>
-      <a:lvl6pPr marL="2285886" algn="l" defTabSz="914356" rtl="0" eaLnBrk="1" latinLnBrk="0" hangingPunct="1">
+      <a:lvl6pPr marL="2286000" algn="l" defTabSz="913765" rtl="0" eaLnBrk="1" latinLnBrk="0" hangingPunct="1">
         <a:defRPr sz="1800" kern="1200">
           <a:solidFill>
             <a:schemeClr val="tx1"/>
@@ -3408,7 +3358,7 @@
           <a:cs typeface="+mn-cs"/>
         </a:defRPr>
       </a:lvl6pPr>
-      <a:lvl7pPr marL="2743063" algn="l" defTabSz="914356" rtl="0" eaLnBrk="1" latinLnBrk="0" hangingPunct="1">
+      <a:lvl7pPr marL="2743200" algn="l" defTabSz="913765" rtl="0" eaLnBrk="1" latinLnBrk="0" hangingPunct="1">
         <a:defRPr sz="1800" kern="1200">
           <a:solidFill>
             <a:schemeClr val="tx1"/>
@@ -3418,7 +3368,7 @@
           <a:cs typeface="+mn-cs"/>
         </a:defRPr>
       </a:lvl7pPr>
-      <a:lvl8pPr marL="3200240" algn="l" defTabSz="914356" rtl="0" eaLnBrk="1" latinLnBrk="0" hangingPunct="1">
+      <a:lvl8pPr marL="3200400" algn="l" defTabSz="913765" rtl="0" eaLnBrk="1" latinLnBrk="0" hangingPunct="1">
         <a:defRPr sz="1800" kern="1200">
           <a:solidFill>
             <a:schemeClr val="tx1"/>
@@ -3428,7 +3378,7 @@
           <a:cs typeface="+mn-cs"/>
         </a:defRPr>
       </a:lvl8pPr>
-      <a:lvl9pPr marL="3657418" algn="l" defTabSz="914356" rtl="0" eaLnBrk="1" latinLnBrk="0" hangingPunct="1">
+      <a:lvl9pPr marL="3657600" algn="l" defTabSz="913765" rtl="0" eaLnBrk="1" latinLnBrk="0" hangingPunct="1">
         <a:defRPr sz="1800" kern="1200">
           <a:solidFill>
             <a:schemeClr val="tx1"/>
@@ -3449,7 +3399,7 @@
     <p:bg>
       <p:bgPr>
         <a:blipFill dpi="0" rotWithShape="1">
-          <a:blip r:embed="rId2">
+          <a:blip r:embed="rId1">
             <a:lum/>
           </a:blip>
           <a:srcRect/>
@@ -3476,13 +3426,7 @@
       </p:grpSpPr>
       <p:sp>
         <p:nvSpPr>
-          <p:cNvPr id="2" name="Title 1">
-            <a:extLst>
-              <a:ext uri="{FF2B5EF4-FFF2-40B4-BE49-F238E27FC236}">
-                <a16:creationId xmlns:a16="http://schemas.microsoft.com/office/drawing/2014/main" id="{89EA01E9-9071-4E46-BD9A-A35D352B304E}"/>
-              </a:ext>
-            </a:extLst>
-          </p:cNvPr>
+          <p:cNvPr id="2" name="Title 1"/>
           <p:cNvSpPr>
             <a:spLocks noGrp="1"/>
           </p:cNvSpPr>
@@ -3526,20 +3470,14 @@
       </p:sp>
       <p:pic>
         <p:nvPicPr>
-          <p:cNvPr id="5" name="Picture 4">
-            <a:extLst>
-              <a:ext uri="{FF2B5EF4-FFF2-40B4-BE49-F238E27FC236}">
-                <a16:creationId xmlns:a16="http://schemas.microsoft.com/office/drawing/2014/main" id="{69E9C280-2C7C-4926-874D-9A695BFD6A31}"/>
-              </a:ext>
-            </a:extLst>
-          </p:cNvPr>
+          <p:cNvPr id="5" name="Picture 4"/>
           <p:cNvPicPr>
             <a:picLocks noChangeAspect="1"/>
           </p:cNvPicPr>
           <p:nvPr/>
         </p:nvPicPr>
         <p:blipFill>
-          <a:blip r:embed="rId3">
+          <a:blip r:embed="rId2">
             <a:extLst>
               <a:ext uri="{28A0092B-C50C-407E-A947-70E740481C1C}">
                 <a14:useLocalDpi xmlns:a14="http://schemas.microsoft.com/office/drawing/2010/main" val="0"/>
@@ -3561,11 +3499,6 @@
         </p:spPr>
       </p:pic>
     </p:spTree>
-    <p:extLst>
-      <p:ext uri="{BB962C8B-B14F-4D97-AF65-F5344CB8AC3E}">
-        <p14:creationId xmlns:p14="http://schemas.microsoft.com/office/powerpoint/2010/main" val="1392812277"/>
-      </p:ext>
-    </p:extLst>
   </p:cSld>
   <p:clrMapOvr>
     <a:masterClrMapping/>
@@ -3579,7 +3512,46 @@
     <p:bg>
       <p:bgPr>
         <a:blipFill dpi="0" rotWithShape="1">
-          <a:blip r:embed="rId2">
+          <a:blip r:embed="rId1">
+            <a:lum/>
+          </a:blip>
+          <a:srcRect/>
+          <a:stretch>
+            <a:fillRect l="-17000" r="-17000"/>
+          </a:stretch>
+        </a:blipFill>
+        <a:effectLst/>
+      </p:bgPr>
+    </p:bg>
+    <p:spTree>
+      <p:nvGrpSpPr>
+        <p:cNvPr id="1" name=""/>
+        <p:cNvGrpSpPr/>
+        <p:nvPr/>
+      </p:nvGrpSpPr>
+      <p:grpSpPr>
+        <a:xfrm>
+          <a:off x="0" y="0"/>
+          <a:ext cx="0" cy="0"/>
+          <a:chOff x="0" y="0"/>
+          <a:chExt cx="0" cy="0"/>
+        </a:xfrm>
+      </p:grpSpPr>
+    </p:spTree>
+  </p:cSld>
+  <p:clrMapOvr>
+    <a:masterClrMapping/>
+  </p:clrMapOvr>
+</p:sld>
+</file>
+
+<file path=ppt/slides/slide11.xml><?xml version="1.0" encoding="utf-8"?>
+<p:sld xmlns:a="http://schemas.openxmlformats.org/drawingml/2006/main" xmlns:r="http://schemas.openxmlformats.org/officeDocument/2006/relationships" xmlns:p="http://schemas.openxmlformats.org/presentationml/2006/main">
+  <p:cSld>
+    <p:bg>
+      <p:bgPr>
+        <a:blipFill dpi="0" rotWithShape="1">
+          <a:blip r:embed="rId1">
             <a:lum/>
           </a:blip>
           <a:srcRect/>
@@ -3606,13 +3578,7 @@
       </p:grpSpPr>
       <p:sp>
         <p:nvSpPr>
-          <p:cNvPr id="2" name="Title 1">
-            <a:extLst>
-              <a:ext uri="{FF2B5EF4-FFF2-40B4-BE49-F238E27FC236}">
-                <a16:creationId xmlns:a16="http://schemas.microsoft.com/office/drawing/2014/main" id="{406FB64E-428F-45A2-B33B-536827C5ADAA}"/>
-              </a:ext>
-            </a:extLst>
-          </p:cNvPr>
+          <p:cNvPr id="2" name="Title 1"/>
           <p:cNvSpPr>
             <a:spLocks noGrp="1"/>
           </p:cNvSpPr>
@@ -3640,25 +3606,24 @@
               </a:rPr>
               <a:t>我们不是来玩游戏，我们是来创造游戏的。</a:t>
             </a:r>
+            <a:endParaRPr lang="zh-CN" altLang="en-US" sz="3000" b="1" dirty="0">
+              <a:solidFill>
+                <a:schemeClr val="bg1"/>
+              </a:solidFill>
+            </a:endParaRPr>
           </a:p>
         </p:txBody>
       </p:sp>
       <p:pic>
         <p:nvPicPr>
-          <p:cNvPr id="5" name="Picture 4">
-            <a:extLst>
-              <a:ext uri="{FF2B5EF4-FFF2-40B4-BE49-F238E27FC236}">
-                <a16:creationId xmlns:a16="http://schemas.microsoft.com/office/drawing/2014/main" id="{A9ED7C28-C19F-4742-81F3-2402AB985128}"/>
-              </a:ext>
-            </a:extLst>
-          </p:cNvPr>
+          <p:cNvPr id="5" name="Picture 4"/>
           <p:cNvPicPr>
             <a:picLocks noChangeAspect="1"/>
           </p:cNvPicPr>
           <p:nvPr/>
         </p:nvPicPr>
         <p:blipFill>
-          <a:blip r:embed="rId3">
+          <a:blip r:embed="rId2">
             <a:extLst>
               <a:ext uri="{28A0092B-C50C-407E-A947-70E740481C1C}">
                 <a14:useLocalDpi xmlns:a14="http://schemas.microsoft.com/office/drawing/2010/main" val="0"/>
@@ -3680,11 +3645,6 @@
         </p:spPr>
       </p:pic>
     </p:spTree>
-    <p:extLst>
-      <p:ext uri="{BB962C8B-B14F-4D97-AF65-F5344CB8AC3E}">
-        <p14:creationId xmlns:p14="http://schemas.microsoft.com/office/powerpoint/2010/main" val="398495300"/>
-      </p:ext>
-    </p:extLst>
   </p:cSld>
   <p:clrMapOvr>
     <a:masterClrMapping/>
@@ -3692,13 +3652,13 @@
 </p:sld>
 </file>
 
-<file path=ppt/slides/slide11.xml><?xml version="1.0" encoding="utf-8"?>
+<file path=ppt/slides/slide12.xml><?xml version="1.0" encoding="utf-8"?>
 <p:sld xmlns:a="http://schemas.openxmlformats.org/drawingml/2006/main" xmlns:r="http://schemas.openxmlformats.org/officeDocument/2006/relationships" xmlns:p="http://schemas.openxmlformats.org/presentationml/2006/main">
   <p:cSld>
     <p:bg>
       <p:bgPr>
         <a:blipFill dpi="0" rotWithShape="1">
-          <a:blip r:embed="rId3">
+          <a:blip r:embed="rId1">
             <a:lum/>
           </a:blip>
           <a:srcRect/>
@@ -3725,13 +3685,7 @@
       </p:grpSpPr>
       <p:sp>
         <p:nvSpPr>
-          <p:cNvPr id="2" name="Title 1">
-            <a:extLst>
-              <a:ext uri="{FF2B5EF4-FFF2-40B4-BE49-F238E27FC236}">
-                <a16:creationId xmlns:a16="http://schemas.microsoft.com/office/drawing/2014/main" id="{F114AE8A-25A4-45F2-A1C7-E19FA632E942}"/>
-              </a:ext>
-            </a:extLst>
-          </p:cNvPr>
+          <p:cNvPr id="2" name="Title 1"/>
           <p:cNvSpPr>
             <a:spLocks noGrp="1"/>
           </p:cNvSpPr>
@@ -3777,20 +3731,14 @@
       </p:sp>
       <p:pic>
         <p:nvPicPr>
-          <p:cNvPr id="4" name="Picture 3">
-            <a:extLst>
-              <a:ext uri="{FF2B5EF4-FFF2-40B4-BE49-F238E27FC236}">
-                <a16:creationId xmlns:a16="http://schemas.microsoft.com/office/drawing/2014/main" id="{F7DC65EE-D6DA-48B0-BAB1-34D55598F284}"/>
-              </a:ext>
-            </a:extLst>
-          </p:cNvPr>
+          <p:cNvPr id="4" name="Picture 3"/>
           <p:cNvPicPr>
             <a:picLocks noChangeAspect="1"/>
           </p:cNvPicPr>
           <p:nvPr/>
         </p:nvPicPr>
         <p:blipFill>
-          <a:blip r:embed="rId4">
+          <a:blip r:embed="rId2">
             <a:extLst>
               <a:ext uri="{28A0092B-C50C-407E-A947-70E740481C1C}">
                 <a14:useLocalDpi xmlns:a14="http://schemas.microsoft.com/office/drawing/2010/main" val="0"/>
@@ -3812,11 +3760,6 @@
         </p:spPr>
       </p:pic>
     </p:spTree>
-    <p:extLst>
-      <p:ext uri="{BB962C8B-B14F-4D97-AF65-F5344CB8AC3E}">
-        <p14:creationId xmlns:p14="http://schemas.microsoft.com/office/powerpoint/2010/main" val="4205117448"/>
-      </p:ext>
-    </p:extLst>
   </p:cSld>
   <p:clrMapOvr>
     <a:masterClrMapping/>
@@ -3824,13 +3767,13 @@
 </p:sld>
 </file>
 
-<file path=ppt/slides/slide12.xml><?xml version="1.0" encoding="utf-8"?>
+<file path=ppt/slides/slide13.xml><?xml version="1.0" encoding="utf-8"?>
 <p:sld xmlns:a="http://schemas.openxmlformats.org/drawingml/2006/main" xmlns:r="http://schemas.openxmlformats.org/officeDocument/2006/relationships" xmlns:p="http://schemas.openxmlformats.org/presentationml/2006/main">
   <p:cSld>
     <p:bg>
       <p:bgPr>
         <a:blipFill dpi="0" rotWithShape="1">
-          <a:blip r:embed="rId2">
+          <a:blip r:embed="rId1">
             <a:lum/>
           </a:blip>
           <a:srcRect/>
@@ -3857,13 +3800,7 @@
       </p:grpSpPr>
       <p:sp>
         <p:nvSpPr>
-          <p:cNvPr id="2" name="Title 1">
-            <a:extLst>
-              <a:ext uri="{FF2B5EF4-FFF2-40B4-BE49-F238E27FC236}">
-                <a16:creationId xmlns:a16="http://schemas.microsoft.com/office/drawing/2014/main" id="{DAF0273C-7428-43BB-BC25-EBBA383F3F86}"/>
-              </a:ext>
-            </a:extLst>
-          </p:cNvPr>
+          <p:cNvPr id="2" name="Title 1"/>
           <p:cNvSpPr>
             <a:spLocks noGrp="1"/>
           </p:cNvSpPr>
@@ -3899,25 +3836,24 @@
               </a:rPr>
               <a:t>程序由代码组成的</a:t>
             </a:r>
+            <a:endParaRPr lang="zh-CN" altLang="en-US" sz="3500" dirty="0">
+              <a:solidFill>
+                <a:schemeClr val="bg1"/>
+              </a:solidFill>
+            </a:endParaRPr>
           </a:p>
         </p:txBody>
       </p:sp>
       <p:pic>
         <p:nvPicPr>
-          <p:cNvPr id="4" name="Picture 3">
-            <a:extLst>
-              <a:ext uri="{FF2B5EF4-FFF2-40B4-BE49-F238E27FC236}">
-                <a16:creationId xmlns:a16="http://schemas.microsoft.com/office/drawing/2014/main" id="{A38DBDBF-AC33-48D7-93AD-CDD59E497280}"/>
-              </a:ext>
-            </a:extLst>
-          </p:cNvPr>
+          <p:cNvPr id="4" name="Picture 3"/>
           <p:cNvPicPr>
             <a:picLocks noChangeAspect="1"/>
           </p:cNvPicPr>
           <p:nvPr/>
         </p:nvPicPr>
         <p:blipFill>
-          <a:blip r:embed="rId3"/>
+          <a:blip r:embed="rId2"/>
           <a:stretch>
             <a:fillRect/>
           </a:stretch>
@@ -3933,11 +3869,6 @@
         </p:spPr>
       </p:pic>
     </p:spTree>
-    <p:extLst>
-      <p:ext uri="{BB962C8B-B14F-4D97-AF65-F5344CB8AC3E}">
-        <p14:creationId xmlns:p14="http://schemas.microsoft.com/office/powerpoint/2010/main" val="3362869442"/>
-      </p:ext>
-    </p:extLst>
   </p:cSld>
   <p:clrMapOvr>
     <a:masterClrMapping/>
@@ -3945,13 +3876,13 @@
 </p:sld>
 </file>
 
-<file path=ppt/slides/slide13.xml><?xml version="1.0" encoding="utf-8"?>
+<file path=ppt/slides/slide14.xml><?xml version="1.0" encoding="utf-8"?>
 <p:sld xmlns:a="http://schemas.openxmlformats.org/drawingml/2006/main" xmlns:r="http://schemas.openxmlformats.org/officeDocument/2006/relationships" xmlns:p="http://schemas.openxmlformats.org/presentationml/2006/main">
   <p:cSld>
     <p:bg>
       <p:bgPr>
         <a:blipFill dpi="0" rotWithShape="1">
-          <a:blip r:embed="rId2">
+          <a:blip r:embed="rId1">
             <a:lum/>
           </a:blip>
           <a:srcRect/>
@@ -3978,13 +3909,7 @@
       </p:grpSpPr>
       <p:sp>
         <p:nvSpPr>
-          <p:cNvPr id="3" name="Content Placeholder 2">
-            <a:extLst>
-              <a:ext uri="{FF2B5EF4-FFF2-40B4-BE49-F238E27FC236}">
-                <a16:creationId xmlns:a16="http://schemas.microsoft.com/office/drawing/2014/main" id="{A65D364C-425B-40EA-AA70-4A476FE3FCF3}"/>
-              </a:ext>
-            </a:extLst>
-          </p:cNvPr>
+          <p:cNvPr id="3" name="Content Placeholder 2"/>
           <p:cNvSpPr>
             <a:spLocks noGrp="1"/>
           </p:cNvSpPr>
@@ -4012,25 +3937,24 @@
               </a:rPr>
               <a:t>按步骤写好代码</a:t>
             </a:r>
+            <a:endParaRPr lang="zh-CN" altLang="en-US" dirty="0">
+              <a:solidFill>
+                <a:schemeClr val="bg1"/>
+              </a:solidFill>
+            </a:endParaRPr>
           </a:p>
         </p:txBody>
       </p:sp>
       <p:pic>
         <p:nvPicPr>
-          <p:cNvPr id="4" name="Picture 3">
-            <a:extLst>
-              <a:ext uri="{FF2B5EF4-FFF2-40B4-BE49-F238E27FC236}">
-                <a16:creationId xmlns:a16="http://schemas.microsoft.com/office/drawing/2014/main" id="{337ADD7F-D466-47F0-A3AD-79B1E9399CEC}"/>
-              </a:ext>
-            </a:extLst>
-          </p:cNvPr>
+          <p:cNvPr id="4" name="Picture 3"/>
           <p:cNvPicPr>
             <a:picLocks noChangeAspect="1"/>
           </p:cNvPicPr>
           <p:nvPr/>
         </p:nvPicPr>
         <p:blipFill>
-          <a:blip r:embed="rId3"/>
+          <a:blip r:embed="rId2"/>
           <a:stretch>
             <a:fillRect/>
           </a:stretch>
@@ -4046,11 +3970,6 @@
         </p:spPr>
       </p:pic>
     </p:spTree>
-    <p:extLst>
-      <p:ext uri="{BB962C8B-B14F-4D97-AF65-F5344CB8AC3E}">
-        <p14:creationId xmlns:p14="http://schemas.microsoft.com/office/powerpoint/2010/main" val="1923307971"/>
-      </p:ext>
-    </p:extLst>
   </p:cSld>
   <p:clrMapOvr>
     <a:masterClrMapping/>
@@ -4058,13 +3977,13 @@
 </p:sld>
 </file>
 
-<file path=ppt/slides/slide14.xml><?xml version="1.0" encoding="utf-8"?>
+<file path=ppt/slides/slide15.xml><?xml version="1.0" encoding="utf-8"?>
 <p:sld xmlns:a="http://schemas.openxmlformats.org/drawingml/2006/main" xmlns:r="http://schemas.openxmlformats.org/officeDocument/2006/relationships" xmlns:p="http://schemas.openxmlformats.org/presentationml/2006/main">
   <p:cSld>
     <p:bg>
       <p:bgPr>
         <a:blipFill dpi="0" rotWithShape="1">
-          <a:blip r:embed="rId2">
+          <a:blip r:embed="rId1">
             <a:lum/>
           </a:blip>
           <a:srcRect/>
@@ -4091,13 +4010,7 @@
       </p:grpSpPr>
       <p:sp>
         <p:nvSpPr>
-          <p:cNvPr id="2" name="Title 1">
-            <a:extLst>
-              <a:ext uri="{FF2B5EF4-FFF2-40B4-BE49-F238E27FC236}">
-                <a16:creationId xmlns:a16="http://schemas.microsoft.com/office/drawing/2014/main" id="{142F9AC7-2D04-4217-A9CD-0C9BD6805A72}"/>
-              </a:ext>
-            </a:extLst>
-          </p:cNvPr>
+          <p:cNvPr id="2" name="Title 1"/>
           <p:cNvSpPr>
             <a:spLocks noGrp="1"/>
           </p:cNvSpPr>
@@ -4125,20 +4038,14 @@
       </p:sp>
       <p:pic>
         <p:nvPicPr>
-          <p:cNvPr id="5" name="Picture 4">
-            <a:extLst>
-              <a:ext uri="{FF2B5EF4-FFF2-40B4-BE49-F238E27FC236}">
-                <a16:creationId xmlns:a16="http://schemas.microsoft.com/office/drawing/2014/main" id="{0851CDC8-7278-4189-ADD0-7E1DBBE3DE6E}"/>
-              </a:ext>
-            </a:extLst>
-          </p:cNvPr>
+          <p:cNvPr id="5" name="Picture 4"/>
           <p:cNvPicPr>
             <a:picLocks noChangeAspect="1"/>
           </p:cNvPicPr>
           <p:nvPr/>
         </p:nvPicPr>
         <p:blipFill>
-          <a:blip r:embed="rId3">
+          <a:blip r:embed="rId2">
             <a:extLst>
               <a:ext uri="{28A0092B-C50C-407E-A947-70E740481C1C}">
                 <a14:useLocalDpi xmlns:a14="http://schemas.microsoft.com/office/drawing/2010/main" val="0"/>
@@ -4161,16 +4068,8 @@
       </p:pic>
       <p:sp>
         <p:nvSpPr>
-          <p:cNvPr id="7" name="Title 1">
-            <a:extLst>
-              <a:ext uri="{FF2B5EF4-FFF2-40B4-BE49-F238E27FC236}">
-                <a16:creationId xmlns:a16="http://schemas.microsoft.com/office/drawing/2014/main" id="{F24C68E8-A6B1-486C-B530-5C8AEC9D183A}"/>
-              </a:ext>
-            </a:extLst>
-          </p:cNvPr>
-          <p:cNvSpPr txBox="1">
-            <a:spLocks/>
-          </p:cNvSpPr>
+          <p:cNvPr id="7" name="Title 1"/>
+          <p:cNvSpPr txBox="1"/>
           <p:nvPr/>
         </p:nvSpPr>
         <p:spPr>
@@ -4187,7 +4086,7 @@
             <a:normAutofit/>
           </a:bodyPr>
           <a:lstStyle>
-            <a:lvl1pPr algn="l" defTabSz="914356" rtl="0" eaLnBrk="1" latinLnBrk="0" hangingPunct="1">
+            <a:lvl1pPr algn="l" defTabSz="913765" rtl="0" eaLnBrk="1" latinLnBrk="0" hangingPunct="1">
               <a:lnSpc>
                 <a:spcPct val="90000"/>
               </a:lnSpc>
@@ -4206,7 +4105,7 @@
             </a:lvl1pPr>
           </a:lstStyle>
           <a:p>
-            <a:pPr marL="0" marR="0" lvl="0" indent="0" algn="l" defTabSz="914356" rtl="0" eaLnBrk="1" fontAlgn="auto" latinLnBrk="0" hangingPunct="1">
+            <a:pPr marL="0" marR="0" lvl="0" indent="0" algn="l" defTabSz="913765" rtl="0" eaLnBrk="1" fontAlgn="auto" latinLnBrk="0" hangingPunct="1">
               <a:lnSpc>
                 <a:spcPct val="90000"/>
               </a:lnSpc>
@@ -4220,7 +4119,6 @@
               <a:buSzTx/>
               <a:buFontTx/>
               <a:buNone/>
-              <a:tabLst/>
               <a:defRPr/>
             </a:pPr>
             <a:r>
@@ -4240,15 +4138,24 @@
               </a:rPr>
               <a:t>我们一起来试一试</a:t>
             </a:r>
+            <a:endParaRPr kumimoji="0" lang="zh-CN" altLang="en-US" sz="3600" b="1" i="0" u="none" strike="noStrike" kern="1200" cap="none" spc="0" normalizeH="0" baseline="0" noProof="0" dirty="0">
+              <a:ln>
+                <a:noFill/>
+              </a:ln>
+              <a:solidFill>
+                <a:prstClr val="black"/>
+              </a:solidFill>
+              <a:effectLst/>
+              <a:uLnTx/>
+              <a:uFillTx/>
+              <a:latin typeface="Calibri Light" panose="020F0302020204030204"/>
+              <a:ea typeface="等线 Light" panose="02010600030101010101" pitchFamily="2" charset="-122"/>
+              <a:cs typeface="+mj-cs"/>
+            </a:endParaRPr>
           </a:p>
         </p:txBody>
       </p:sp>
     </p:spTree>
-    <p:extLst>
-      <p:ext uri="{BB962C8B-B14F-4D97-AF65-F5344CB8AC3E}">
-        <p14:creationId xmlns:p14="http://schemas.microsoft.com/office/powerpoint/2010/main" val="2223071449"/>
-      </p:ext>
-    </p:extLst>
   </p:cSld>
   <p:clrMapOvr>
     <a:masterClrMapping/>
@@ -4262,7 +4169,7 @@
     <p:bg>
       <p:bgPr>
         <a:blipFill dpi="0" rotWithShape="1">
-          <a:blip r:embed="rId2">
+          <a:blip r:embed="rId1">
             <a:lum/>
           </a:blip>
           <a:srcRect/>
@@ -4289,13 +4196,7 @@
       </p:grpSpPr>
       <p:sp>
         <p:nvSpPr>
-          <p:cNvPr id="2" name="Title 1">
-            <a:extLst>
-              <a:ext uri="{FF2B5EF4-FFF2-40B4-BE49-F238E27FC236}">
-                <a16:creationId xmlns:a16="http://schemas.microsoft.com/office/drawing/2014/main" id="{1F667428-D008-4807-9ED6-3C3ECEDAF627}"/>
-              </a:ext>
-            </a:extLst>
-          </p:cNvPr>
+          <p:cNvPr id="2" name="Title 1"/>
           <p:cNvSpPr>
             <a:spLocks noGrp="1"/>
           </p:cNvSpPr>
@@ -4335,13 +4236,7 @@
       </p:sp>
       <p:sp>
         <p:nvSpPr>
-          <p:cNvPr id="4" name="TextBox 3">
-            <a:extLst>
-              <a:ext uri="{FF2B5EF4-FFF2-40B4-BE49-F238E27FC236}">
-                <a16:creationId xmlns:a16="http://schemas.microsoft.com/office/drawing/2014/main" id="{4616D2AD-5332-4666-973D-46D9F6F98A25}"/>
-              </a:ext>
-            </a:extLst>
-          </p:cNvPr>
+          <p:cNvPr id="4" name="TextBox 3"/>
           <p:cNvSpPr txBox="1"/>
           <p:nvPr/>
         </p:nvSpPr>
@@ -4371,15 +4266,17 @@
               </a:rPr>
               <a:t>未来已来</a:t>
             </a:r>
+            <a:endParaRPr lang="zh-CN" altLang="en-US" sz="4000" b="1" dirty="0">
+              <a:solidFill>
+                <a:schemeClr val="bg1"/>
+              </a:solidFill>
+              <a:latin typeface="等线" panose="02010600030101010101" pitchFamily="2" charset="-122"/>
+              <a:ea typeface="等线" panose="02010600030101010101" pitchFamily="2" charset="-122"/>
+            </a:endParaRPr>
           </a:p>
         </p:txBody>
       </p:sp>
     </p:spTree>
-    <p:extLst>
-      <p:ext uri="{BB962C8B-B14F-4D97-AF65-F5344CB8AC3E}">
-        <p14:creationId xmlns:p14="http://schemas.microsoft.com/office/powerpoint/2010/main" val="4171952990"/>
-      </p:ext>
-    </p:extLst>
   </p:cSld>
   <p:clrMapOvr>
     <a:masterClrMapping/>
@@ -4393,7 +4290,7 @@
     <p:bg>
       <p:bgPr>
         <a:blipFill dpi="0" rotWithShape="1">
-          <a:blip r:embed="rId2">
+          <a:blip r:embed="rId1">
             <a:lum/>
           </a:blip>
           <a:srcRect/>
@@ -4420,13 +4317,319 @@
       </p:grpSpPr>
       <p:sp>
         <p:nvSpPr>
-          <p:cNvPr id="2" name="Title 1">
+          <p:cNvPr id="2" name="Title 1"/>
+          <p:cNvSpPr>
+            <a:spLocks noGrp="1"/>
+          </p:cNvSpPr>
+          <p:nvPr>
+            <p:ph type="title"/>
+          </p:nvPr>
+        </p:nvSpPr>
+        <p:spPr>
+          <a:xfrm>
+            <a:off x="189057" y="113618"/>
+            <a:ext cx="4747606" cy="1325563"/>
+          </a:xfrm>
+        </p:spPr>
+        <p:txBody>
+          <a:bodyPr/>
+          <a:lstStyle/>
+          <a:p>
+            <a:r>
+              <a:rPr lang="zh-CN" altLang="en-US" b="1" dirty="0"/>
+              <a:t>符号的世界</a:t>
+            </a:r>
+            <a:endParaRPr lang="zh-CN" altLang="en-US" b="1" dirty="0"/>
+          </a:p>
+        </p:txBody>
+      </p:sp>
+      <p:pic>
+        <p:nvPicPr>
+          <p:cNvPr id="5" name="Picture 4"/>
+          <p:cNvPicPr>
+            <a:picLocks noChangeAspect="1"/>
+          </p:cNvPicPr>
+          <p:nvPr/>
+        </p:nvPicPr>
+        <p:blipFill>
+          <a:blip r:embed="rId2">
             <a:extLst>
-              <a:ext uri="{FF2B5EF4-FFF2-40B4-BE49-F238E27FC236}">
-                <a16:creationId xmlns:a16="http://schemas.microsoft.com/office/drawing/2014/main" id="{142F9AC7-2D04-4217-A9CD-0C9BD6805A72}"/>
+              <a:ext uri="{28A0092B-C50C-407E-A947-70E740481C1C}">
+                <a14:useLocalDpi xmlns:a14="http://schemas.microsoft.com/office/drawing/2010/main" val="0"/>
               </a:ext>
             </a:extLst>
-          </p:cNvPr>
+          </a:blip>
+          <a:stretch>
+            <a:fillRect/>
+          </a:stretch>
+        </p:blipFill>
+        <p:spPr>
+          <a:xfrm>
+            <a:off x="6184276" y="5831116"/>
+            <a:ext cx="2793887" cy="736373"/>
+          </a:xfrm>
+          <a:prstGeom prst="rect">
+            <a:avLst/>
+          </a:prstGeom>
+        </p:spPr>
+      </p:pic>
+      <p:sp>
+        <p:nvSpPr>
+          <p:cNvPr id="7" name="Title 1"/>
+          <p:cNvSpPr txBox="1"/>
+          <p:nvPr/>
+        </p:nvSpPr>
+        <p:spPr>
+          <a:xfrm>
+            <a:off x="675005" y="1691005"/>
+            <a:ext cx="7998460" cy="4058285"/>
+          </a:xfrm>
+          <a:prstGeom prst="rect">
+            <a:avLst/>
+          </a:prstGeom>
+        </p:spPr>
+        <p:txBody>
+          <a:bodyPr vert="horz" lIns="91440" tIns="45720" rIns="91440" bIns="45720" rtlCol="0" anchor="ctr">
+            <a:normAutofit/>
+          </a:bodyPr>
+          <a:lstStyle>
+            <a:lvl1pPr algn="l" defTabSz="913765" rtl="0" eaLnBrk="1" latinLnBrk="0" hangingPunct="1">
+              <a:lnSpc>
+                <a:spcPct val="90000"/>
+              </a:lnSpc>
+              <a:spcBef>
+                <a:spcPct val="0"/>
+              </a:spcBef>
+              <a:buNone/>
+              <a:defRPr sz="4400" kern="1200">
+                <a:solidFill>
+                  <a:schemeClr val="tx1"/>
+                </a:solidFill>
+                <a:latin typeface="+mj-lt"/>
+                <a:ea typeface="+mj-ea"/>
+                <a:cs typeface="+mj-cs"/>
+              </a:defRPr>
+            </a:lvl1pPr>
+          </a:lstStyle>
+          <a:p>
+            <a:pPr marL="571500" indent="-571500">
+              <a:lnSpc>
+                <a:spcPct val="120000"/>
+              </a:lnSpc>
+              <a:buFont typeface="Wingdings" panose="05000000000000000000" charset="0"/>
+              <a:buChar char=""/>
+            </a:pPr>
+            <a:r>
+              <a:rPr lang="en-US" altLang="zh-CN" sz="2500" b="1" dirty="0"/>
+              <a:t>/Q/    </a:t>
+            </a:r>
+            <a:r>
+              <a:rPr lang="zh-CN" altLang="en-US" sz="2500" b="1" dirty="0"/>
+              <a:t>这是一个问题符号，代表这里需要思考。</a:t>
+            </a:r>
+            <a:endParaRPr lang="zh-CN" altLang="en-US" sz="2500" b="1" dirty="0"/>
+          </a:p>
+          <a:p>
+            <a:pPr marL="571500" indent="-571500">
+              <a:lnSpc>
+                <a:spcPct val="120000"/>
+              </a:lnSpc>
+              <a:buFont typeface="Wingdings" panose="05000000000000000000" charset="0"/>
+              <a:buChar char=""/>
+            </a:pPr>
+            <a:r>
+              <a:rPr lang="en-US" altLang="zh-CN" sz="2500" b="1" dirty="0"/>
+              <a:t>/W/   </a:t>
+            </a:r>
+            <a:r>
+              <a:rPr lang="zh-CN" altLang="en-US" sz="2500" b="1" dirty="0"/>
+              <a:t>这是一个书写符号，代表这里需要书写。</a:t>
+            </a:r>
+            <a:endParaRPr lang="zh-CN" altLang="en-US" sz="2500" b="1" dirty="0"/>
+          </a:p>
+          <a:p>
+            <a:pPr marL="571500" indent="-571500">
+              <a:lnSpc>
+                <a:spcPct val="120000"/>
+              </a:lnSpc>
+              <a:buFont typeface="Wingdings" panose="05000000000000000000" charset="0"/>
+              <a:buChar char=""/>
+            </a:pPr>
+            <a:r>
+              <a:rPr lang="en-US" altLang="zh-CN" sz="2500" b="1" dirty="0"/>
+              <a:t>/S/     </a:t>
+            </a:r>
+            <a:r>
+              <a:rPr lang="zh-CN" altLang="en-US" sz="2500" b="1" dirty="0"/>
+              <a:t>这是一个场景符号，代表这里是场景。</a:t>
+            </a:r>
+            <a:endParaRPr lang="zh-CN" altLang="en-US" sz="2500" b="1" dirty="0"/>
+          </a:p>
+          <a:p>
+            <a:pPr marL="571500" indent="-571500">
+              <a:lnSpc>
+                <a:spcPct val="120000"/>
+              </a:lnSpc>
+              <a:buFont typeface="Wingdings" panose="05000000000000000000" charset="0"/>
+              <a:buChar char=""/>
+            </a:pPr>
+            <a:r>
+              <a:rPr lang="en-US" altLang="zh-CN" sz="2500" b="1" dirty="0"/>
+              <a:t>/A/     </a:t>
+            </a:r>
+            <a:r>
+              <a:rPr lang="zh-CN" altLang="en-US" sz="2500" b="1" dirty="0"/>
+              <a:t>这是一个分析符号，代表这里有分析。</a:t>
+            </a:r>
+            <a:endParaRPr lang="zh-CN" altLang="en-US" sz="2500" b="1" dirty="0"/>
+          </a:p>
+          <a:p>
+            <a:pPr marL="571500" indent="-571500">
+              <a:lnSpc>
+                <a:spcPct val="120000"/>
+              </a:lnSpc>
+              <a:buFont typeface="Wingdings" panose="05000000000000000000" charset="0"/>
+              <a:buChar char=""/>
+            </a:pPr>
+            <a:r>
+              <a:rPr lang="en-US" altLang="zh-CN" sz="2500" b="1" dirty="0"/>
+              <a:t>/H/     </a:t>
+            </a:r>
+            <a:r>
+              <a:rPr lang="zh-CN" altLang="en-US" sz="2500" b="1" dirty="0"/>
+              <a:t>这是一个作业符号，代表这里有作业。</a:t>
+            </a:r>
+            <a:endParaRPr lang="zh-CN" altLang="en-US" sz="2500" b="1" dirty="0"/>
+          </a:p>
+          <a:p>
+            <a:pPr marL="571500" indent="-571500">
+              <a:lnSpc>
+                <a:spcPct val="120000"/>
+              </a:lnSpc>
+              <a:buFont typeface="Wingdings" panose="05000000000000000000" charset="0"/>
+              <a:buChar char=""/>
+            </a:pPr>
+            <a:r>
+              <a:rPr lang="en-US" altLang="zh-CN" sz="2500" b="1" dirty="0"/>
+              <a:t>/W/    </a:t>
+            </a:r>
+            <a:r>
+              <a:rPr lang="zh-CN" altLang="en-US" sz="2500" b="1" dirty="0"/>
+              <a:t>这是一个单词符号，代表这里有新的单词。</a:t>
+            </a:r>
+            <a:endParaRPr lang="zh-CN" altLang="en-US" sz="2500" b="1" dirty="0"/>
+          </a:p>
+          <a:p>
+            <a:pPr marL="571500" indent="-571500">
+              <a:lnSpc>
+                <a:spcPct val="120000"/>
+              </a:lnSpc>
+              <a:buFont typeface="Wingdings" panose="05000000000000000000" charset="0"/>
+              <a:buChar char=""/>
+            </a:pPr>
+            <a:r>
+              <a:rPr lang="en-US" altLang="zh-CN" sz="2500" b="1" dirty="0"/>
+              <a:t>/C/      </a:t>
+            </a:r>
+            <a:r>
+              <a:rPr lang="zh-CN" altLang="en-US" sz="2500" b="1" dirty="0"/>
+              <a:t>这是一个术语符号，代表这里由一个术语。</a:t>
+            </a:r>
+            <a:endParaRPr lang="zh-CN" altLang="en-US" sz="2500" b="1" dirty="0"/>
+          </a:p>
+        </p:txBody>
+      </p:sp>
+      <p:sp>
+        <p:nvSpPr>
+          <p:cNvPr id="3" name="Title 1"/>
+          <p:cNvSpPr>
+            <a:spLocks noGrp="1"/>
+          </p:cNvSpPr>
+          <p:nvPr/>
+        </p:nvSpPr>
+        <p:spPr>
+          <a:xfrm>
+            <a:off x="259080" y="833120"/>
+            <a:ext cx="6097905" cy="775335"/>
+          </a:xfrm>
+          <a:prstGeom prst="rect">
+            <a:avLst/>
+          </a:prstGeom>
+        </p:spPr>
+        <p:txBody>
+          <a:bodyPr vert="horz" lIns="91440" tIns="45720" rIns="91440" bIns="45720" rtlCol="0" anchor="ctr">
+            <a:normAutofit/>
+          </a:bodyPr>
+          <a:lstStyle>
+            <a:lvl1pPr algn="l" defTabSz="913765" rtl="0" eaLnBrk="1" latinLnBrk="0" hangingPunct="1">
+              <a:lnSpc>
+                <a:spcPct val="90000"/>
+              </a:lnSpc>
+              <a:spcBef>
+                <a:spcPct val="0"/>
+              </a:spcBef>
+              <a:buNone/>
+              <a:defRPr sz="4400" kern="1200">
+                <a:solidFill>
+                  <a:schemeClr val="tx1"/>
+                </a:solidFill>
+                <a:latin typeface="+mj-lt"/>
+                <a:ea typeface="+mj-ea"/>
+                <a:cs typeface="+mj-cs"/>
+              </a:defRPr>
+            </a:lvl1pPr>
+          </a:lstStyle>
+          <a:p>
+            <a:r>
+              <a:rPr lang="zh-CN" altLang="en-US" sz="2000" b="1" dirty="0"/>
+              <a:t>我们教科书中的符号</a:t>
+            </a:r>
+            <a:endParaRPr lang="zh-CN" altLang="en-US" sz="2000" b="1" dirty="0"/>
+          </a:p>
+        </p:txBody>
+      </p:sp>
+    </p:spTree>
+  </p:cSld>
+  <p:clrMapOvr>
+    <a:masterClrMapping/>
+  </p:clrMapOvr>
+</p:sld>
+</file>
+
+<file path=ppt/slides/slide4.xml><?xml version="1.0" encoding="utf-8"?>
+<p:sld xmlns:a="http://schemas.openxmlformats.org/drawingml/2006/main" xmlns:r="http://schemas.openxmlformats.org/officeDocument/2006/relationships" xmlns:p="http://schemas.openxmlformats.org/presentationml/2006/main">
+  <p:cSld>
+    <p:bg>
+      <p:bgPr>
+        <a:blipFill dpi="0" rotWithShape="1">
+          <a:blip r:embed="rId1">
+            <a:lum/>
+          </a:blip>
+          <a:srcRect/>
+          <a:stretch>
+            <a:fillRect l="-17000" r="-17000"/>
+          </a:stretch>
+        </a:blipFill>
+        <a:effectLst/>
+      </p:bgPr>
+    </p:bg>
+    <p:spTree>
+      <p:nvGrpSpPr>
+        <p:cNvPr id="1" name=""/>
+        <p:cNvGrpSpPr/>
+        <p:nvPr/>
+      </p:nvGrpSpPr>
+      <p:grpSpPr>
+        <a:xfrm>
+          <a:off x="0" y="0"/>
+          <a:ext cx="0" cy="0"/>
+          <a:chOff x="0" y="0"/>
+          <a:chExt cx="0" cy="0"/>
+        </a:xfrm>
+      </p:grpSpPr>
+      <p:sp>
+        <p:nvSpPr>
+          <p:cNvPr id="2" name="Title 1"/>
           <p:cNvSpPr>
             <a:spLocks noGrp="1"/>
           </p:cNvSpPr>
@@ -4454,20 +4657,14 @@
       </p:sp>
       <p:pic>
         <p:nvPicPr>
-          <p:cNvPr id="5" name="Picture 4">
-            <a:extLst>
-              <a:ext uri="{FF2B5EF4-FFF2-40B4-BE49-F238E27FC236}">
-                <a16:creationId xmlns:a16="http://schemas.microsoft.com/office/drawing/2014/main" id="{0851CDC8-7278-4189-ADD0-7E1DBBE3DE6E}"/>
-              </a:ext>
-            </a:extLst>
-          </p:cNvPr>
+          <p:cNvPr id="5" name="Picture 4"/>
           <p:cNvPicPr>
             <a:picLocks noChangeAspect="1"/>
           </p:cNvPicPr>
           <p:nvPr/>
         </p:nvPicPr>
         <p:blipFill>
-          <a:blip r:embed="rId3">
+          <a:blip r:embed="rId2">
             <a:extLst>
               <a:ext uri="{28A0092B-C50C-407E-A947-70E740481C1C}">
                 <a14:useLocalDpi xmlns:a14="http://schemas.microsoft.com/office/drawing/2010/main" val="0"/>
@@ -4490,16 +4687,8 @@
       </p:pic>
       <p:sp>
         <p:nvSpPr>
-          <p:cNvPr id="7" name="Title 1">
-            <a:extLst>
-              <a:ext uri="{FF2B5EF4-FFF2-40B4-BE49-F238E27FC236}">
-                <a16:creationId xmlns:a16="http://schemas.microsoft.com/office/drawing/2014/main" id="{F24C68E8-A6B1-486C-B530-5C8AEC9D183A}"/>
-              </a:ext>
-            </a:extLst>
-          </p:cNvPr>
-          <p:cNvSpPr txBox="1">
-            <a:spLocks/>
-          </p:cNvSpPr>
+          <p:cNvPr id="7" name="Title 1"/>
+          <p:cNvSpPr txBox="1"/>
           <p:nvPr/>
         </p:nvSpPr>
         <p:spPr>
@@ -4516,7 +4705,7 @@
             <a:normAutofit/>
           </a:bodyPr>
           <a:lstStyle>
-            <a:lvl1pPr algn="l" defTabSz="914356" rtl="0" eaLnBrk="1" latinLnBrk="0" hangingPunct="1">
+            <a:lvl1pPr algn="l" defTabSz="913765" rtl="0" eaLnBrk="1" latinLnBrk="0" hangingPunct="1">
               <a:lnSpc>
                 <a:spcPct val="90000"/>
               </a:lnSpc>
@@ -4539,15 +4728,11 @@
               <a:rPr lang="zh-CN" altLang="en-US" sz="3600" b="1" dirty="0"/>
               <a:t>我们一起来试一试</a:t>
             </a:r>
+            <a:endParaRPr lang="zh-CN" altLang="en-US" sz="3600" b="1" dirty="0"/>
           </a:p>
         </p:txBody>
       </p:sp>
     </p:spTree>
-    <p:extLst>
-      <p:ext uri="{BB962C8B-B14F-4D97-AF65-F5344CB8AC3E}">
-        <p14:creationId xmlns:p14="http://schemas.microsoft.com/office/powerpoint/2010/main" val="3788576311"/>
-      </p:ext>
-    </p:extLst>
   </p:cSld>
   <p:clrMapOvr>
     <a:masterClrMapping/>
@@ -4555,13 +4740,13 @@
 </p:sld>
 </file>
 
-<file path=ppt/slides/slide4.xml><?xml version="1.0" encoding="utf-8"?>
+<file path=ppt/slides/slide5.xml><?xml version="1.0" encoding="utf-8"?>
 <p:sld xmlns:a="http://schemas.openxmlformats.org/drawingml/2006/main" xmlns:r="http://schemas.openxmlformats.org/officeDocument/2006/relationships" xmlns:p="http://schemas.openxmlformats.org/presentationml/2006/main">
   <p:cSld>
     <p:bg>
       <p:bgPr>
         <a:blipFill dpi="0" rotWithShape="1">
-          <a:blip r:embed="rId2">
+          <a:blip r:embed="rId1">
             <a:lum/>
           </a:blip>
           <a:srcRect/>
@@ -4588,13 +4773,7 @@
       </p:grpSpPr>
       <p:sp>
         <p:nvSpPr>
-          <p:cNvPr id="3" name="Content Placeholder 2">
-            <a:extLst>
-              <a:ext uri="{FF2B5EF4-FFF2-40B4-BE49-F238E27FC236}">
-                <a16:creationId xmlns:a16="http://schemas.microsoft.com/office/drawing/2014/main" id="{C85D6D23-BEDF-4E69-B00E-0C43D40F8A85}"/>
-              </a:ext>
-            </a:extLst>
-          </p:cNvPr>
+          <p:cNvPr id="3" name="Content Placeholder 2"/>
           <p:cNvSpPr>
             <a:spLocks noGrp="1"/>
           </p:cNvSpPr>
@@ -4620,6 +4799,11 @@
               </a:rPr>
               <a:t>Content</a:t>
             </a:r>
+            <a:endParaRPr lang="en-US" altLang="zh-CN" dirty="0">
+              <a:solidFill>
+                <a:schemeClr val="bg1"/>
+              </a:solidFill>
+            </a:endParaRPr>
           </a:p>
           <a:p>
             <a:pPr lvl="1">
@@ -4725,20 +4909,14 @@
       </p:sp>
       <p:pic>
         <p:nvPicPr>
-          <p:cNvPr id="4" name="Picture 3">
-            <a:extLst>
-              <a:ext uri="{FF2B5EF4-FFF2-40B4-BE49-F238E27FC236}">
-                <a16:creationId xmlns:a16="http://schemas.microsoft.com/office/drawing/2014/main" id="{B5075AC9-048B-499E-A3A1-0B3306C12BD1}"/>
-              </a:ext>
-            </a:extLst>
-          </p:cNvPr>
+          <p:cNvPr id="4" name="Picture 3"/>
           <p:cNvPicPr>
             <a:picLocks noChangeAspect="1"/>
           </p:cNvPicPr>
           <p:nvPr/>
         </p:nvPicPr>
         <p:blipFill>
-          <a:blip r:embed="rId3">
+          <a:blip r:embed="rId2">
             <a:extLst>
               <a:ext uri="{28A0092B-C50C-407E-A947-70E740481C1C}">
                 <a14:useLocalDpi xmlns:a14="http://schemas.microsoft.com/office/drawing/2010/main" val="0"/>
@@ -4760,11 +4938,6 @@
         </p:spPr>
       </p:pic>
     </p:spTree>
-    <p:extLst>
-      <p:ext uri="{BB962C8B-B14F-4D97-AF65-F5344CB8AC3E}">
-        <p14:creationId xmlns:p14="http://schemas.microsoft.com/office/powerpoint/2010/main" val="3986501365"/>
-      </p:ext>
-    </p:extLst>
   </p:cSld>
   <p:clrMapOvr>
     <a:masterClrMapping/>
@@ -4772,13 +4945,13 @@
 </p:sld>
 </file>
 
-<file path=ppt/slides/slide5.xml><?xml version="1.0" encoding="utf-8"?>
+<file path=ppt/slides/slide6.xml><?xml version="1.0" encoding="utf-8"?>
 <p:sld xmlns:a="http://schemas.openxmlformats.org/drawingml/2006/main" xmlns:r="http://schemas.openxmlformats.org/officeDocument/2006/relationships" xmlns:p="http://schemas.openxmlformats.org/presentationml/2006/main">
   <p:cSld>
     <p:bg>
       <p:bgPr>
         <a:blipFill dpi="0" rotWithShape="1">
-          <a:blip r:embed="rId2">
+          <a:blip r:embed="rId1">
             <a:lum/>
           </a:blip>
           <a:srcRect/>
@@ -4805,13 +4978,7 @@
       </p:grpSpPr>
       <p:sp>
         <p:nvSpPr>
-          <p:cNvPr id="3" name="Content Placeholder 2">
-            <a:extLst>
-              <a:ext uri="{FF2B5EF4-FFF2-40B4-BE49-F238E27FC236}">
-                <a16:creationId xmlns:a16="http://schemas.microsoft.com/office/drawing/2014/main" id="{B924F8D6-B432-44D4-9E9A-28E0BEF66F89}"/>
-              </a:ext>
-            </a:extLst>
-          </p:cNvPr>
+          <p:cNvPr id="3" name="Content Placeholder 2"/>
           <p:cNvSpPr>
             <a:spLocks noGrp="1"/>
           </p:cNvSpPr>
@@ -4839,6 +5006,11 @@
               </a:rPr>
               <a:t>Words List</a:t>
             </a:r>
+            <a:endParaRPr lang="en-US" altLang="zh-CN" dirty="0">
+              <a:solidFill>
+                <a:schemeClr val="bg1"/>
+              </a:solidFill>
+            </a:endParaRPr>
           </a:p>
           <a:p>
             <a:pPr lvl="2">
@@ -4996,20 +5168,14 @@
       </p:sp>
       <p:pic>
         <p:nvPicPr>
-          <p:cNvPr id="4" name="Picture 3">
-            <a:extLst>
-              <a:ext uri="{FF2B5EF4-FFF2-40B4-BE49-F238E27FC236}">
-                <a16:creationId xmlns:a16="http://schemas.microsoft.com/office/drawing/2014/main" id="{E0509F8A-FA2A-40DB-BCEC-9D5C4D5B37C1}"/>
-              </a:ext>
-            </a:extLst>
-          </p:cNvPr>
+          <p:cNvPr id="4" name="Picture 3"/>
           <p:cNvPicPr>
             <a:picLocks noChangeAspect="1"/>
           </p:cNvPicPr>
           <p:nvPr/>
         </p:nvPicPr>
         <p:blipFill>
-          <a:blip r:embed="rId3">
+          <a:blip r:embed="rId2">
             <a:extLst>
               <a:ext uri="{28A0092B-C50C-407E-A947-70E740481C1C}">
                 <a14:useLocalDpi xmlns:a14="http://schemas.microsoft.com/office/drawing/2010/main" val="0"/>
@@ -5031,11 +5197,6 @@
         </p:spPr>
       </p:pic>
     </p:spTree>
-    <p:extLst>
-      <p:ext uri="{BB962C8B-B14F-4D97-AF65-F5344CB8AC3E}">
-        <p14:creationId xmlns:p14="http://schemas.microsoft.com/office/powerpoint/2010/main" val="4250048729"/>
-      </p:ext>
-    </p:extLst>
   </p:cSld>
   <p:clrMapOvr>
     <a:masterClrMapping/>
@@ -5043,13 +5204,13 @@
 </p:sld>
 </file>
 
-<file path=ppt/slides/slide6.xml><?xml version="1.0" encoding="utf-8"?>
+<file path=ppt/slides/slide7.xml><?xml version="1.0" encoding="utf-8"?>
 <p:sld xmlns:a="http://schemas.openxmlformats.org/drawingml/2006/main" xmlns:r="http://schemas.openxmlformats.org/officeDocument/2006/relationships" xmlns:p="http://schemas.openxmlformats.org/presentationml/2006/main">
   <p:cSld>
     <p:bg>
       <p:bgPr>
         <a:blipFill dpi="0" rotWithShape="1">
-          <a:blip r:embed="rId2">
+          <a:blip r:embed="rId1">
             <a:lum/>
           </a:blip>
           <a:srcRect/>
@@ -5076,20 +5237,14 @@
       </p:grpSpPr>
       <p:pic>
         <p:nvPicPr>
-          <p:cNvPr id="4" name="Picture 3">
-            <a:extLst>
-              <a:ext uri="{FF2B5EF4-FFF2-40B4-BE49-F238E27FC236}">
-                <a16:creationId xmlns:a16="http://schemas.microsoft.com/office/drawing/2014/main" id="{E0509F8A-FA2A-40DB-BCEC-9D5C4D5B37C1}"/>
-              </a:ext>
-            </a:extLst>
-          </p:cNvPr>
+          <p:cNvPr id="4" name="Picture 3"/>
           <p:cNvPicPr>
             <a:picLocks noChangeAspect="1"/>
           </p:cNvPicPr>
           <p:nvPr/>
         </p:nvPicPr>
         <p:blipFill>
-          <a:blip r:embed="rId3">
+          <a:blip r:embed="rId2">
             <a:extLst>
               <a:ext uri="{28A0092B-C50C-407E-A947-70E740481C1C}">
                 <a14:useLocalDpi xmlns:a14="http://schemas.microsoft.com/office/drawing/2010/main" val="0"/>
@@ -5112,13 +5267,7 @@
       </p:pic>
       <p:sp>
         <p:nvSpPr>
-          <p:cNvPr id="5" name="Content Placeholder 4">
-            <a:extLst>
-              <a:ext uri="{FF2B5EF4-FFF2-40B4-BE49-F238E27FC236}">
-                <a16:creationId xmlns:a16="http://schemas.microsoft.com/office/drawing/2014/main" id="{8B42C74D-7C87-4089-B2A3-19F0BC4C9CA0}"/>
-              </a:ext>
-            </a:extLst>
-          </p:cNvPr>
+          <p:cNvPr id="5" name="Content Placeholder 4"/>
           <p:cNvSpPr>
             <a:spLocks noGrp="1"/>
           </p:cNvSpPr>
@@ -5153,25 +5302,20 @@
               <a:rPr lang="zh-CN" altLang="en-US" sz="3000" dirty="0"/>
               <a:t>你玩过什么程序呢？</a:t>
             </a:r>
+            <a:endParaRPr lang="zh-CN" altLang="en-US" sz="3000" dirty="0"/>
           </a:p>
         </p:txBody>
       </p:sp>
       <p:pic>
         <p:nvPicPr>
-          <p:cNvPr id="7" name="Picture 6">
-            <a:extLst>
-              <a:ext uri="{FF2B5EF4-FFF2-40B4-BE49-F238E27FC236}">
-                <a16:creationId xmlns:a16="http://schemas.microsoft.com/office/drawing/2014/main" id="{06ED397E-4AE7-434B-8A57-C1C74E20D919}"/>
-              </a:ext>
-            </a:extLst>
-          </p:cNvPr>
+          <p:cNvPr id="7" name="Picture 6"/>
           <p:cNvPicPr>
             <a:picLocks noChangeAspect="1"/>
           </p:cNvPicPr>
           <p:nvPr/>
         </p:nvPicPr>
         <p:blipFill>
-          <a:blip r:embed="rId4"/>
+          <a:blip r:embed="rId3"/>
           <a:stretch>
             <a:fillRect/>
           </a:stretch>
@@ -5187,11 +5331,6 @@
         </p:spPr>
       </p:pic>
     </p:spTree>
-    <p:extLst>
-      <p:ext uri="{BB962C8B-B14F-4D97-AF65-F5344CB8AC3E}">
-        <p14:creationId xmlns:p14="http://schemas.microsoft.com/office/powerpoint/2010/main" val="3922757397"/>
-      </p:ext>
-    </p:extLst>
   </p:cSld>
   <p:clrMapOvr>
     <a:masterClrMapping/>
@@ -5199,13 +5338,13 @@
 </p:sld>
 </file>
 
-<file path=ppt/slides/slide7.xml><?xml version="1.0" encoding="utf-8"?>
+<file path=ppt/slides/slide8.xml><?xml version="1.0" encoding="utf-8"?>
 <p:sld xmlns:a="http://schemas.openxmlformats.org/drawingml/2006/main" xmlns:r="http://schemas.openxmlformats.org/officeDocument/2006/relationships" xmlns:p="http://schemas.openxmlformats.org/presentationml/2006/main">
   <p:cSld>
     <p:bg>
       <p:bgPr>
         <a:blipFill dpi="0" rotWithShape="1">
-          <a:blip r:embed="rId2">
+          <a:blip r:embed="rId1">
             <a:lum/>
           </a:blip>
           <a:srcRect/>
@@ -5231,11 +5370,6 @@
         </a:xfrm>
       </p:grpSpPr>
     </p:spTree>
-    <p:extLst>
-      <p:ext uri="{BB962C8B-B14F-4D97-AF65-F5344CB8AC3E}">
-        <p14:creationId xmlns:p14="http://schemas.microsoft.com/office/powerpoint/2010/main" val="4122059124"/>
-      </p:ext>
-    </p:extLst>
   </p:cSld>
   <p:clrMapOvr>
     <a:masterClrMapping/>
@@ -5243,7 +5377,7 @@
 </p:sld>
 </file>
 
-<file path=ppt/slides/slide8.xml><?xml version="1.0" encoding="utf-8"?>
+<file path=ppt/slides/slide9.xml><?xml version="1.0" encoding="utf-8"?>
 <p:sld xmlns:a="http://schemas.openxmlformats.org/drawingml/2006/main" xmlns:r="http://schemas.openxmlformats.org/officeDocument/2006/relationships" xmlns:p="http://schemas.openxmlformats.org/presentationml/2006/main">
   <p:cSld>
     <p:spTree>
@@ -5262,20 +5396,14 @@
       </p:grpSpPr>
       <p:pic>
         <p:nvPicPr>
-          <p:cNvPr id="5" name="Picture 4">
-            <a:extLst>
-              <a:ext uri="{FF2B5EF4-FFF2-40B4-BE49-F238E27FC236}">
-                <a16:creationId xmlns:a16="http://schemas.microsoft.com/office/drawing/2014/main" id="{D9C89020-0F1B-45C5-96BA-D63AD7E6EE3A}"/>
-              </a:ext>
-            </a:extLst>
-          </p:cNvPr>
+          <p:cNvPr id="5" name="Picture 4"/>
           <p:cNvPicPr>
             <a:picLocks noChangeAspect="1"/>
           </p:cNvPicPr>
           <p:nvPr/>
         </p:nvPicPr>
         <p:blipFill>
-          <a:blip r:embed="rId2"/>
+          <a:blip r:embed="rId1"/>
           <a:stretch>
             <a:fillRect/>
           </a:stretch>
@@ -5291,55 +5419,6 @@
         </p:spPr>
       </p:pic>
     </p:spTree>
-    <p:extLst>
-      <p:ext uri="{BB962C8B-B14F-4D97-AF65-F5344CB8AC3E}">
-        <p14:creationId xmlns:p14="http://schemas.microsoft.com/office/powerpoint/2010/main" val="1373157417"/>
-      </p:ext>
-    </p:extLst>
-  </p:cSld>
-  <p:clrMapOvr>
-    <a:masterClrMapping/>
-  </p:clrMapOvr>
-</p:sld>
-</file>
-
-<file path=ppt/slides/slide9.xml><?xml version="1.0" encoding="utf-8"?>
-<p:sld xmlns:a="http://schemas.openxmlformats.org/drawingml/2006/main" xmlns:r="http://schemas.openxmlformats.org/officeDocument/2006/relationships" xmlns:p="http://schemas.openxmlformats.org/presentationml/2006/main">
-  <p:cSld>
-    <p:bg>
-      <p:bgPr>
-        <a:blipFill dpi="0" rotWithShape="1">
-          <a:blip r:embed="rId2">
-            <a:lum/>
-          </a:blip>
-          <a:srcRect/>
-          <a:stretch>
-            <a:fillRect l="-17000" r="-17000"/>
-          </a:stretch>
-        </a:blipFill>
-        <a:effectLst/>
-      </p:bgPr>
-    </p:bg>
-    <p:spTree>
-      <p:nvGrpSpPr>
-        <p:cNvPr id="1" name=""/>
-        <p:cNvGrpSpPr/>
-        <p:nvPr/>
-      </p:nvGrpSpPr>
-      <p:grpSpPr>
-        <a:xfrm>
-          <a:off x="0" y="0"/>
-          <a:ext cx="0" cy="0"/>
-          <a:chOff x="0" y="0"/>
-          <a:chExt cx="0" cy="0"/>
-        </a:xfrm>
-      </p:grpSpPr>
-    </p:spTree>
-    <p:extLst>
-      <p:ext uri="{BB962C8B-B14F-4D97-AF65-F5344CB8AC3E}">
-        <p14:creationId xmlns:p14="http://schemas.microsoft.com/office/powerpoint/2010/main" val="1837480674"/>
-      </p:ext>
-    </p:extLst>
   </p:cSld>
   <p:clrMapOvr>
     <a:masterClrMapping/>
@@ -5390,7 +5469,7 @@
     </a:clrScheme>
     <a:fontScheme name="Office Theme">
       <a:majorFont>
-        <a:latin typeface="Calibri Light" panose="020F0302020204030204"/>
+        <a:latin typeface="Calibri Light"/>
         <a:ea typeface=""/>
         <a:cs typeface=""/>
         <a:font script="Jpan" typeface="游ゴシック Light"/>
@@ -5425,7 +5504,7 @@
         <a:font script="Geor" typeface="Sylfaen"/>
       </a:majorFont>
       <a:minorFont>
-        <a:latin typeface="Calibri" panose="020F0502020204030204"/>
+        <a:latin typeface="Calibri"/>
         <a:ea typeface=""/>
         <a:cs typeface=""/>
         <a:font script="Jpan" typeface="游ゴシック"/>
@@ -5598,8 +5677,6 @@
       </a:bgFillStyleLst>
     </a:fmtScheme>
   </a:themeElements>
-  <a:objectDefaults/>
-  <a:extraClrSchemeLst/>
   <a:extLst>
     <a:ext uri="{05A4C25C-085E-4340-85A3-A5531E510DB2}">
       <thm15:themeFamily xmlns:thm15="http://schemas.microsoft.com/office/thememl/2012/main" name="Office Theme" id="{62F939B6-93AF-4DB8-9C6B-D6C7DFDC589F}" vid="{4A3C46E8-61CC-4603-A589-7422A47A8E4A}"/>
@@ -5651,7 +5728,7 @@
     </a:clrScheme>
     <a:fontScheme name="Office">
       <a:majorFont>
-        <a:latin typeface="等线 Light" panose="020F0302020204030204"/>
+        <a:latin typeface="等线 Light"/>
         <a:ea typeface=""/>
         <a:cs typeface=""/>
         <a:font script="Jpan" typeface="游ゴシック Light"/>
@@ -5684,26 +5761,9 @@
         <a:font script="Viet" typeface="Times New Roman"/>
         <a:font script="Uigh" typeface="Microsoft Uighur"/>
         <a:font script="Geor" typeface="Sylfaen"/>
-        <a:font script="Armn" typeface="Arial"/>
-        <a:font script="Bugi" typeface="Leelawadee UI"/>
-        <a:font script="Bopo" typeface="Microsoft JhengHei"/>
-        <a:font script="Java" typeface="Javanese Text"/>
-        <a:font script="Lisu" typeface="Segoe UI"/>
-        <a:font script="Mymr" typeface="Myanmar Text"/>
-        <a:font script="Nkoo" typeface="Ebrima"/>
-        <a:font script="Olck" typeface="Nirmala UI"/>
-        <a:font script="Osma" typeface="Ebrima"/>
-        <a:font script="Phag" typeface="Phagspa"/>
-        <a:font script="Syrn" typeface="Estrangelo Edessa"/>
-        <a:font script="Syrj" typeface="Estrangelo Edessa"/>
-        <a:font script="Syre" typeface="Estrangelo Edessa"/>
-        <a:font script="Sora" typeface="Nirmala UI"/>
-        <a:font script="Tale" typeface="Microsoft Tai Le"/>
-        <a:font script="Talu" typeface="Microsoft New Tai Lue"/>
-        <a:font script="Tfng" typeface="Ebrima"/>
       </a:majorFont>
       <a:minorFont>
-        <a:latin typeface="等线" panose="020F0502020204030204"/>
+        <a:latin typeface="等线"/>
         <a:ea typeface=""/>
         <a:cs typeface=""/>
         <a:font script="Jpan" typeface="游ゴシック"/>
@@ -5736,23 +5796,6 @@
         <a:font script="Viet" typeface="Arial"/>
         <a:font script="Uigh" typeface="Microsoft Uighur"/>
         <a:font script="Geor" typeface="Sylfaen"/>
-        <a:font script="Armn" typeface="Arial"/>
-        <a:font script="Bugi" typeface="Leelawadee UI"/>
-        <a:font script="Bopo" typeface="Microsoft JhengHei"/>
-        <a:font script="Java" typeface="Javanese Text"/>
-        <a:font script="Lisu" typeface="Segoe UI"/>
-        <a:font script="Mymr" typeface="Myanmar Text"/>
-        <a:font script="Nkoo" typeface="Ebrima"/>
-        <a:font script="Olck" typeface="Nirmala UI"/>
-        <a:font script="Osma" typeface="Ebrima"/>
-        <a:font script="Phag" typeface="Phagspa"/>
-        <a:font script="Syrn" typeface="Estrangelo Edessa"/>
-        <a:font script="Syrj" typeface="Estrangelo Edessa"/>
-        <a:font script="Syre" typeface="Estrangelo Edessa"/>
-        <a:font script="Sora" typeface="Nirmala UI"/>
-        <a:font script="Tale" typeface="Microsoft Tai Le"/>
-        <a:font script="Talu" typeface="Microsoft New Tai Lue"/>
-        <a:font script="Tfng" typeface="Ebrima"/>
       </a:minorFont>
     </a:fontScheme>
     <a:fmtScheme name="Office">
@@ -5893,8 +5936,6 @@
       </a:bgFillStyleLst>
     </a:fmtScheme>
   </a:themeElements>
-  <a:objectDefaults/>
-  <a:extraClrSchemeLst/>
   <a:extLst>
     <a:ext uri="{05A4C25C-085E-4340-85A3-A5531E510DB2}">
       <thm15:themeFamily xmlns:thm15="http://schemas.microsoft.com/office/thememl/2012/main" name="Office Theme" id="{62F939B6-93AF-4DB8-9C6B-D6C7DFDC589F}" vid="{4A3C46E8-61CC-4603-A589-7422A47A8E4A}"/>
